--- a/Comparison of methods 2018.pptx
+++ b/Comparison of methods 2018.pptx
@@ -9,31 +9,31 @@
   </p:notesMasterIdLst>
   <p:sldIdLst>
     <p:sldId id="256" r:id="rId2"/>
-    <p:sldId id="303" r:id="rId3"/>
-    <p:sldId id="279" r:id="rId4"/>
-    <p:sldId id="280" r:id="rId5"/>
-    <p:sldId id="264" r:id="rId6"/>
-    <p:sldId id="305" r:id="rId7"/>
-    <p:sldId id="265" r:id="rId8"/>
-    <p:sldId id="286" r:id="rId9"/>
-    <p:sldId id="288" r:id="rId10"/>
-    <p:sldId id="317" r:id="rId11"/>
-    <p:sldId id="318" r:id="rId12"/>
-    <p:sldId id="321" r:id="rId13"/>
-    <p:sldId id="289" r:id="rId14"/>
-    <p:sldId id="290" r:id="rId15"/>
-    <p:sldId id="291" r:id="rId16"/>
-    <p:sldId id="292" r:id="rId17"/>
-    <p:sldId id="293" r:id="rId18"/>
-    <p:sldId id="294" r:id="rId19"/>
-    <p:sldId id="295" r:id="rId20"/>
-    <p:sldId id="297" r:id="rId21"/>
-    <p:sldId id="298" r:id="rId22"/>
-    <p:sldId id="299" r:id="rId23"/>
-    <p:sldId id="300" r:id="rId24"/>
-    <p:sldId id="274" r:id="rId25"/>
-    <p:sldId id="266" r:id="rId26"/>
-    <p:sldId id="275" r:id="rId27"/>
+    <p:sldId id="322" r:id="rId3"/>
+    <p:sldId id="303" r:id="rId4"/>
+    <p:sldId id="279" r:id="rId5"/>
+    <p:sldId id="280" r:id="rId6"/>
+    <p:sldId id="264" r:id="rId7"/>
+    <p:sldId id="305" r:id="rId8"/>
+    <p:sldId id="265" r:id="rId9"/>
+    <p:sldId id="286" r:id="rId10"/>
+    <p:sldId id="288" r:id="rId11"/>
+    <p:sldId id="317" r:id="rId12"/>
+    <p:sldId id="318" r:id="rId13"/>
+    <p:sldId id="321" r:id="rId14"/>
+    <p:sldId id="289" r:id="rId15"/>
+    <p:sldId id="290" r:id="rId16"/>
+    <p:sldId id="291" r:id="rId17"/>
+    <p:sldId id="292" r:id="rId18"/>
+    <p:sldId id="293" r:id="rId19"/>
+    <p:sldId id="294" r:id="rId20"/>
+    <p:sldId id="295" r:id="rId21"/>
+    <p:sldId id="297" r:id="rId22"/>
+    <p:sldId id="298" r:id="rId23"/>
+    <p:sldId id="299" r:id="rId24"/>
+    <p:sldId id="300" r:id="rId25"/>
+    <p:sldId id="274" r:id="rId26"/>
+    <p:sldId id="266" r:id="rId27"/>
   </p:sldIdLst>
   <p:sldSz cx="9144000" cy="6858000" type="screen4x3"/>
   <p:notesSz cx="6858000" cy="9144000"/>
@@ -144,6 +144,7 @@
         <p14:section name="Project" id="{40C8E6B6-E9E6-2F43-B93D-A0243D079DE4}">
           <p14:sldIdLst>
             <p14:sldId id="256"/>
+            <p14:sldId id="322"/>
             <p14:sldId id="303"/>
             <p14:sldId id="279"/>
             <p14:sldId id="280"/>
@@ -168,7 +169,6 @@
             <p14:sldId id="300"/>
             <p14:sldId id="274"/>
             <p14:sldId id="266"/>
-            <p14:sldId id="275"/>
           </p14:sldIdLst>
         </p14:section>
         <p14:section name="Scrum.org" id="{791E24FF-0B03-C747-9B56-222E2D4883CE}">
@@ -276,7 +276,7 @@
           <a:p>
             <a:fld id="{CE345581-1A6B-4085-BC94-9BC27E706278}" type="datetimeFigureOut">
               <a:rPr lang="en-GB" smtClean="0"/>
-              <a:t>21/05/2018</a:t>
+              <a:t>09/12/2018</a:t>
             </a:fld>
             <a:endParaRPr lang="en-GB"/>
           </a:p>
@@ -693,7 +693,7 @@
           <a:p>
             <a:fld id="{FB353C3E-09B0-4B75-9312-93B544BD7538}" type="slidenum">
               <a:rPr lang="en-GB" smtClean="0"/>
-              <a:t>11</a:t>
+              <a:t>12</a:t>
             </a:fld>
             <a:endParaRPr lang="en-GB"/>
           </a:p>
@@ -777,7 +777,7 @@
           <a:p>
             <a:fld id="{FB353C3E-09B0-4B75-9312-93B544BD7538}" type="slidenum">
               <a:rPr lang="en-GB" smtClean="0"/>
-              <a:t>12</a:t>
+              <a:t>13</a:t>
             </a:fld>
             <a:endParaRPr lang="en-GB"/>
           </a:p>
@@ -861,7 +861,7 @@
           <a:p>
             <a:fld id="{FB353C3E-09B0-4B75-9312-93B544BD7538}" type="slidenum">
               <a:rPr lang="en-GB" smtClean="0"/>
-              <a:t>13</a:t>
+              <a:t>14</a:t>
             </a:fld>
             <a:endParaRPr lang="en-GB"/>
           </a:p>
@@ -945,7 +945,7 @@
           <a:p>
             <a:fld id="{FB353C3E-09B0-4B75-9312-93B544BD7538}" type="slidenum">
               <a:rPr lang="en-GB" smtClean="0"/>
-              <a:t>14</a:t>
+              <a:t>15</a:t>
             </a:fld>
             <a:endParaRPr lang="en-GB"/>
           </a:p>
@@ -1029,7 +1029,7 @@
           <a:p>
             <a:fld id="{FB353C3E-09B0-4B75-9312-93B544BD7538}" type="slidenum">
               <a:rPr lang="en-GB" smtClean="0"/>
-              <a:t>15</a:t>
+              <a:t>16</a:t>
             </a:fld>
             <a:endParaRPr lang="en-GB"/>
           </a:p>
@@ -1113,7 +1113,7 @@
           <a:p>
             <a:fld id="{FB353C3E-09B0-4B75-9312-93B544BD7538}" type="slidenum">
               <a:rPr lang="en-GB" smtClean="0"/>
-              <a:t>16</a:t>
+              <a:t>17</a:t>
             </a:fld>
             <a:endParaRPr lang="en-GB"/>
           </a:p>
@@ -1197,7 +1197,7 @@
           <a:p>
             <a:fld id="{FB353C3E-09B0-4B75-9312-93B544BD7538}" type="slidenum">
               <a:rPr lang="en-GB" smtClean="0"/>
-              <a:t>17</a:t>
+              <a:t>18</a:t>
             </a:fld>
             <a:endParaRPr lang="en-GB"/>
           </a:p>
@@ -1281,7 +1281,7 @@
           <a:p>
             <a:fld id="{FB353C3E-09B0-4B75-9312-93B544BD7538}" type="slidenum">
               <a:rPr lang="en-GB" smtClean="0"/>
-              <a:t>18</a:t>
+              <a:t>19</a:t>
             </a:fld>
             <a:endParaRPr lang="en-GB"/>
           </a:p>
@@ -1512,7 +1512,7 @@
               <a:pPr eaLnBrk="1" hangingPunct="1">
                 <a:defRPr/>
               </a:pPr>
-              <a:t>19</a:t>
+              <a:t>20</a:t>
             </a:fld>
             <a:endParaRPr lang="da-DK" altLang="da-DK" smtClean="0"/>
           </a:p>
@@ -1596,7 +1596,7 @@
           <a:p>
             <a:fld id="{FB353C3E-09B0-4B75-9312-93B544BD7538}" type="slidenum">
               <a:rPr lang="en-GB" smtClean="0"/>
-              <a:t>20</a:t>
+              <a:t>21</a:t>
             </a:fld>
             <a:endParaRPr lang="en-GB"/>
           </a:p>
@@ -1772,7 +1772,7 @@
               <a:pPr eaLnBrk="1" hangingPunct="1">
                 <a:defRPr/>
               </a:pPr>
-              <a:t>2</a:t>
+              <a:t>3</a:t>
             </a:fld>
             <a:endParaRPr lang="da-DK" altLang="en-US"/>
           </a:p>
@@ -1916,7 +1916,7 @@
           <a:p>
             <a:fld id="{FB353C3E-09B0-4B75-9312-93B544BD7538}" type="slidenum">
               <a:rPr lang="en-GB" smtClean="0"/>
-              <a:t>21</a:t>
+              <a:t>22</a:t>
             </a:fld>
             <a:endParaRPr lang="en-GB"/>
           </a:p>
@@ -2000,7 +2000,7 @@
           <a:p>
             <a:fld id="{FB353C3E-09B0-4B75-9312-93B544BD7538}" type="slidenum">
               <a:rPr lang="en-GB" smtClean="0"/>
-              <a:t>22</a:t>
+              <a:t>23</a:t>
             </a:fld>
             <a:endParaRPr lang="en-GB"/>
           </a:p>
@@ -2084,7 +2084,7 @@
           <a:p>
             <a:fld id="{FB353C3E-09B0-4B75-9312-93B544BD7538}" type="slidenum">
               <a:rPr lang="en-GB" smtClean="0"/>
-              <a:t>23</a:t>
+              <a:t>24</a:t>
             </a:fld>
             <a:endParaRPr lang="en-GB"/>
           </a:p>
@@ -2168,7 +2168,7 @@
           <a:p>
             <a:fld id="{FB353C3E-09B0-4B75-9312-93B544BD7538}" type="slidenum">
               <a:rPr lang="en-GB" smtClean="0"/>
-              <a:t>24</a:t>
+              <a:t>25</a:t>
             </a:fld>
             <a:endParaRPr lang="en-GB"/>
           </a:p>
@@ -2252,7 +2252,7 @@
           <a:p>
             <a:fld id="{FB353C3E-09B0-4B75-9312-93B544BD7538}" type="slidenum">
               <a:rPr lang="en-GB" smtClean="0"/>
-              <a:t>25</a:t>
+              <a:t>26</a:t>
             </a:fld>
             <a:endParaRPr lang="en-GB"/>
           </a:p>
@@ -2262,90 +2262,6 @@
     <p:extLst>
       <p:ext uri="{BB962C8B-B14F-4D97-AF65-F5344CB8AC3E}">
         <p14:creationId xmlns:p14="http://schemas.microsoft.com/office/powerpoint/2010/main" val="2993735237"/>
-      </p:ext>
-    </p:extLst>
-  </p:cSld>
-  <p:clrMapOvr>
-    <a:masterClrMapping/>
-  </p:clrMapOvr>
-</p:notes>
-</file>
-
-<file path=ppt/notesSlides/notesSlide25.xml><?xml version="1.0" encoding="utf-8"?>
-<p:notes xmlns:a="http://schemas.openxmlformats.org/drawingml/2006/main" xmlns:r="http://schemas.openxmlformats.org/officeDocument/2006/relationships" xmlns:p="http://schemas.openxmlformats.org/presentationml/2006/main">
-  <p:cSld>
-    <p:spTree>
-      <p:nvGrpSpPr>
-        <p:cNvPr id="1" name=""/>
-        <p:cNvGrpSpPr/>
-        <p:nvPr/>
-      </p:nvGrpSpPr>
-      <p:grpSpPr>
-        <a:xfrm>
-          <a:off x="0" y="0"/>
-          <a:ext cx="0" cy="0"/>
-          <a:chOff x="0" y="0"/>
-          <a:chExt cx="0" cy="0"/>
-        </a:xfrm>
-      </p:grpSpPr>
-      <p:sp>
-        <p:nvSpPr>
-          <p:cNvPr id="2" name="Pladsholder til slidebillede 1"/>
-          <p:cNvSpPr>
-            <a:spLocks noGrp="1" noRot="1" noChangeAspect="1"/>
-          </p:cNvSpPr>
-          <p:nvPr>
-            <p:ph type="sldImg"/>
-          </p:nvPr>
-        </p:nvSpPr>
-        <p:spPr/>
-      </p:sp>
-      <p:sp>
-        <p:nvSpPr>
-          <p:cNvPr id="3" name="Pladsholder til noter 2"/>
-          <p:cNvSpPr>
-            <a:spLocks noGrp="1"/>
-          </p:cNvSpPr>
-          <p:nvPr>
-            <p:ph type="body" idx="1"/>
-          </p:nvPr>
-        </p:nvSpPr>
-        <p:spPr/>
-        <p:txBody>
-          <a:bodyPr/>
-          <a:lstStyle/>
-          <a:p>
-            <a:endParaRPr lang="da-DK"/>
-          </a:p>
-        </p:txBody>
-      </p:sp>
-      <p:sp>
-        <p:nvSpPr>
-          <p:cNvPr id="4" name="Pladsholder til slidenummer 3"/>
-          <p:cNvSpPr>
-            <a:spLocks noGrp="1"/>
-          </p:cNvSpPr>
-          <p:nvPr>
-            <p:ph type="sldNum" sz="quarter" idx="10"/>
-          </p:nvPr>
-        </p:nvSpPr>
-        <p:spPr/>
-        <p:txBody>
-          <a:bodyPr/>
-          <a:lstStyle/>
-          <a:p>
-            <a:fld id="{FB353C3E-09B0-4B75-9312-93B544BD7538}" type="slidenum">
-              <a:rPr lang="en-GB" smtClean="0"/>
-              <a:t>26</a:t>
-            </a:fld>
-            <a:endParaRPr lang="en-GB"/>
-          </a:p>
-        </p:txBody>
-      </p:sp>
-    </p:spTree>
-    <p:extLst>
-      <p:ext uri="{BB962C8B-B14F-4D97-AF65-F5344CB8AC3E}">
-        <p14:creationId xmlns:p14="http://schemas.microsoft.com/office/powerpoint/2010/main" val="916088422"/>
       </p:ext>
     </p:extLst>
   </p:cSld>
@@ -2510,7 +2426,7 @@
             <a:fld id="{AE7C37D5-36E3-4B91-9194-752667469229}" type="slidenum">
               <a:rPr lang="da-DK" altLang="en-US" smtClean="0"/>
               <a:pPr eaLnBrk="1" hangingPunct="1"/>
-              <a:t>3</a:t>
+              <a:t>4</a:t>
             </a:fld>
             <a:endParaRPr lang="da-DK" altLang="en-US" smtClean="0"/>
           </a:p>
@@ -2650,7 +2566,7 @@
           <a:p>
             <a:fld id="{FB353C3E-09B0-4B75-9312-93B544BD7538}" type="slidenum">
               <a:rPr lang="en-GB" smtClean="0"/>
-              <a:t>4</a:t>
+              <a:t>5</a:t>
             </a:fld>
             <a:endParaRPr lang="en-GB"/>
           </a:p>
@@ -2826,7 +2742,7 @@
               <a:pPr eaLnBrk="1" hangingPunct="1">
                 <a:defRPr/>
               </a:pPr>
-              <a:t>5</a:t>
+              <a:t>6</a:t>
             </a:fld>
             <a:endParaRPr lang="da-DK" altLang="en-US"/>
           </a:p>
@@ -2970,7 +2886,7 @@
           <a:p>
             <a:fld id="{FB353C3E-09B0-4B75-9312-93B544BD7538}" type="slidenum">
               <a:rPr lang="en-GB" smtClean="0"/>
-              <a:t>7</a:t>
+              <a:t>8</a:t>
             </a:fld>
             <a:endParaRPr lang="en-GB"/>
           </a:p>
@@ -3054,7 +2970,7 @@
           <a:p>
             <a:fld id="{FB353C3E-09B0-4B75-9312-93B544BD7538}" type="slidenum">
               <a:rPr lang="en-GB" smtClean="0"/>
-              <a:t>8</a:t>
+              <a:t>9</a:t>
             </a:fld>
             <a:endParaRPr lang="en-GB"/>
           </a:p>
@@ -3138,7 +3054,7 @@
           <a:p>
             <a:fld id="{FB353C3E-09B0-4B75-9312-93B544BD7538}" type="slidenum">
               <a:rPr lang="en-GB" smtClean="0"/>
-              <a:t>9</a:t>
+              <a:t>10</a:t>
             </a:fld>
             <a:endParaRPr lang="en-GB"/>
           </a:p>
@@ -3222,7 +3138,7 @@
           <a:p>
             <a:fld id="{FB353C3E-09B0-4B75-9312-93B544BD7538}" type="slidenum">
               <a:rPr lang="en-GB" smtClean="0"/>
-              <a:t>10</a:t>
+              <a:t>11</a:t>
             </a:fld>
             <a:endParaRPr lang="en-GB"/>
           </a:p>
@@ -5623,7 +5539,15 @@
           <a:p>
             <a:r>
               <a:rPr lang="en-GB" sz="2800" u="sng" dirty="0" smtClean="0"/>
-              <a:t>Program today</a:t>
+              <a:t>Program </a:t>
+            </a:r>
+            <a:r>
+              <a:rPr lang="en-GB" sz="2800" u="sng" dirty="0" err="1"/>
+              <a:t>i</a:t>
+            </a:r>
+            <a:r>
+              <a:rPr lang="en-GB" sz="2800" u="sng" dirty="0" smtClean="0"/>
+              <a:t> dag</a:t>
             </a:r>
           </a:p>
           <a:p>
@@ -5632,8 +5556,12 @@
               <a:buChar char="•"/>
             </a:pPr>
             <a:r>
+              <a:rPr lang="en-GB" sz="2400" dirty="0" err="1" smtClean="0"/>
+              <a:t>Eksamensopgave</a:t>
+            </a:r>
+            <a:r>
               <a:rPr lang="en-GB" sz="2400" dirty="0" smtClean="0"/>
-              <a:t>Exam-assignment – report!</a:t>
+              <a:t> – rapport!</a:t>
             </a:r>
           </a:p>
           <a:p>
@@ -5642,8 +5570,28 @@
               <a:buChar char="•"/>
             </a:pPr>
             <a:r>
+              <a:rPr lang="en-GB" sz="2400" dirty="0" err="1" smtClean="0"/>
+              <a:t>Eksamensemner</a:t>
+            </a:r>
+            <a:r>
               <a:rPr lang="en-GB" sz="2400" dirty="0" smtClean="0"/>
-              <a:t>Exam-subjects – oral exam.</a:t>
+              <a:t> – </a:t>
+            </a:r>
+            <a:r>
+              <a:rPr lang="en-GB" sz="2400" dirty="0" err="1" smtClean="0"/>
+              <a:t>mundtlig</a:t>
+            </a:r>
+            <a:r>
+              <a:rPr lang="en-GB" sz="2400" dirty="0" smtClean="0"/>
+              <a:t> </a:t>
+            </a:r>
+            <a:r>
+              <a:rPr lang="en-GB" sz="2400" dirty="0" err="1" smtClean="0"/>
+              <a:t>eksamen</a:t>
+            </a:r>
+            <a:r>
+              <a:rPr lang="en-GB" sz="2400" dirty="0" smtClean="0"/>
+              <a:t>.</a:t>
             </a:r>
             <a:endParaRPr lang="en-GB" sz="2400" dirty="0"/>
           </a:p>
@@ -5653,8 +5601,12 @@
               <a:buChar char="•"/>
             </a:pPr>
             <a:r>
+              <a:rPr lang="en-GB" sz="2400" dirty="0" err="1" smtClean="0"/>
+              <a:t>Teori</a:t>
+            </a:r>
+            <a:r>
               <a:rPr lang="en-GB" sz="2400" dirty="0" smtClean="0"/>
-              <a:t>Theory: </a:t>
+              <a:t>: </a:t>
             </a:r>
             <a:r>
               <a:rPr lang="en-GB" sz="2400" dirty="0"/>
@@ -5736,224 +5688,90 @@
       </p:grpSpPr>
       <p:sp>
         <p:nvSpPr>
-          <p:cNvPr id="113667" name="Rectangle 3"/>
-          <p:cNvSpPr>
-            <a:spLocks noGrp="1" noChangeArrowheads="1"/>
-          </p:cNvSpPr>
-          <p:nvPr>
-            <p:ph type="body" sz="quarter" idx="10"/>
-          </p:nvPr>
-        </p:nvSpPr>
-        <p:spPr/>
-        <p:txBody>
-          <a:bodyPr/>
-          <a:lstStyle/>
-          <a:p>
-            <a:endParaRPr lang="en-GB" altLang="en-US" sz="2000" dirty="0" smtClean="0"/>
-          </a:p>
-          <a:p>
-            <a:pPr marL="742923" lvl="2" indent="-342888">
-              <a:lnSpc>
-                <a:spcPct val="90000"/>
-              </a:lnSpc>
-            </a:pPr>
-            <a:endParaRPr lang="en-GB" altLang="en-US" sz="2000" dirty="0" smtClean="0"/>
-          </a:p>
-          <a:p>
-            <a:pPr>
-              <a:lnSpc>
-                <a:spcPct val="90000"/>
-              </a:lnSpc>
-            </a:pPr>
-            <a:endParaRPr lang="en-GB" altLang="en-US" sz="2000" dirty="0"/>
-          </a:p>
-        </p:txBody>
-      </p:sp>
-      <p:sp>
-        <p:nvSpPr>
-          <p:cNvPr id="2" name="Pladsholder til indhold 1"/>
+          <p:cNvPr id="4" name="Titel 3"/>
           <p:cNvSpPr>
             <a:spLocks noGrp="1"/>
           </p:cNvSpPr>
           <p:nvPr>
-            <p:ph sz="quarter" idx="12"/>
+            <p:ph type="title"/>
           </p:nvPr>
         </p:nvSpPr>
         <p:spPr>
           <a:xfrm>
-            <a:off x="395536" y="2116874"/>
-            <a:ext cx="8496943" cy="4480478"/>
+            <a:off x="251520" y="548680"/>
+            <a:ext cx="8229600" cy="648072"/>
           </a:xfrm>
         </p:spPr>
         <p:txBody>
-          <a:bodyPr>
-            <a:normAutofit/>
-          </a:bodyPr>
+          <a:bodyPr/>
           <a:lstStyle/>
           <a:p>
-            <a:pPr marL="342888" lvl="1" indent="-342888">
-              <a:lnSpc>
-                <a:spcPct val="90000"/>
-              </a:lnSpc>
-            </a:pPr>
-            <a:r>
-              <a:rPr lang="en-GB" altLang="en-US" sz="2000" b="1" dirty="0"/>
-              <a:t>Methods</a:t>
-            </a:r>
-            <a:r>
-              <a:rPr lang="en-GB" altLang="en-US" sz="2000" dirty="0"/>
-              <a:t> have a more or less defined scope</a:t>
-            </a:r>
-            <a:endParaRPr lang="en-GB" altLang="en-US" sz="800" dirty="0"/>
-          </a:p>
-          <a:p>
-            <a:pPr marL="342888" lvl="1" indent="-342888">
-              <a:lnSpc>
-                <a:spcPct val="90000"/>
-              </a:lnSpc>
-            </a:pPr>
-            <a:r>
-              <a:rPr lang="en-GB" altLang="en-US" sz="2000" b="1" dirty="0"/>
-              <a:t>Methods </a:t>
-            </a:r>
-            <a:r>
-              <a:rPr lang="en-GB" altLang="en-US" sz="2000" dirty="0"/>
-              <a:t>have an underlying perspective</a:t>
-            </a:r>
-            <a:endParaRPr lang="en-GB" altLang="en-US" sz="800" dirty="0"/>
-          </a:p>
-          <a:p>
-            <a:pPr>
-              <a:lnSpc>
-                <a:spcPct val="90000"/>
-              </a:lnSpc>
-            </a:pPr>
-            <a:r>
-              <a:rPr lang="en-GB" altLang="en-US" sz="2000" b="1" dirty="0"/>
-              <a:t>Methods </a:t>
-            </a:r>
-            <a:r>
-              <a:rPr lang="en-GB" altLang="en-US" sz="2000" dirty="0"/>
-              <a:t>provides guidelines for how the process should proceed:</a:t>
-            </a:r>
-          </a:p>
-          <a:p>
-            <a:pPr lvl="1">
-              <a:lnSpc>
-                <a:spcPct val="90000"/>
-              </a:lnSpc>
-            </a:pPr>
-            <a:r>
-              <a:rPr lang="en-GB" altLang="en-US" sz="2000" dirty="0"/>
-              <a:t>The sequence in which to carry out the functions</a:t>
-            </a:r>
-          </a:p>
-          <a:p>
-            <a:pPr lvl="1">
-              <a:lnSpc>
-                <a:spcPct val="90000"/>
-              </a:lnSpc>
-            </a:pPr>
-            <a:r>
-              <a:rPr lang="en-GB" altLang="en-US" sz="2000" dirty="0"/>
-              <a:t>The artefacts to produce</a:t>
-            </a:r>
-          </a:p>
-          <a:p>
-            <a:pPr marL="742923" lvl="2" indent="-342888">
-              <a:lnSpc>
-                <a:spcPct val="90000"/>
-              </a:lnSpc>
-            </a:pPr>
-            <a:endParaRPr lang="en-GB" altLang="en-US" sz="2000" dirty="0"/>
-          </a:p>
-          <a:p>
-            <a:r>
-              <a:rPr lang="en-GB" altLang="en-US" sz="2000" dirty="0"/>
-              <a:t>Experience is essential for system developers</a:t>
-            </a:r>
-          </a:p>
-          <a:p>
-            <a:r>
-              <a:rPr lang="en-GB" altLang="en-US" sz="2000" dirty="0"/>
-              <a:t>Methods are experience put in patterns</a:t>
-            </a:r>
-          </a:p>
-          <a:p>
-            <a:r>
-              <a:rPr lang="en-GB" altLang="en-US" sz="2000" dirty="0"/>
-              <a:t>Methods are not practical if the situation does not fit</a:t>
-            </a:r>
-          </a:p>
-          <a:p>
-            <a:pPr>
-              <a:buFont typeface="Symbol" charset="2"/>
-              <a:buChar char="Þ"/>
-            </a:pPr>
-            <a:r>
-              <a:rPr lang="en-GB" altLang="en-US" sz="2000" dirty="0"/>
-              <a:t> General knowledge – systems development theory</a:t>
-            </a:r>
-          </a:p>
-          <a:p>
-            <a:pPr>
-              <a:buFont typeface="Symbol" charset="2"/>
-              <a:buChar char="Þ"/>
-            </a:pPr>
-            <a:r>
-              <a:rPr lang="en-GB" altLang="en-US" sz="2000" dirty="0"/>
-              <a:t> Method Independent understanding of systems development</a:t>
-            </a:r>
-          </a:p>
-          <a:p>
-            <a:endParaRPr lang="da-DK" dirty="0"/>
+            <a:r>
+              <a:rPr lang="en-GB" b="1" dirty="0" smtClean="0"/>
+              <a:t>Process models (paradigms)</a:t>
+            </a:r>
+            <a:endParaRPr lang="en-GB" b="1" dirty="0"/>
           </a:p>
         </p:txBody>
       </p:sp>
-      <p:sp>
-        <p:nvSpPr>
-          <p:cNvPr id="113666" name="Rectangle 2"/>
-          <p:cNvSpPr>
-            <a:spLocks noGrp="1" noChangeArrowheads="1"/>
-          </p:cNvSpPr>
-          <p:nvPr>
-            <p:ph type="title" idx="4294967295"/>
-          </p:nvPr>
-        </p:nvSpPr>
-        <p:spPr>
+      <p:pic>
+        <p:nvPicPr>
+          <p:cNvPr id="1026" name="Picture 2"/>
+          <p:cNvPicPr>
+            <a:picLocks noChangeAspect="1" noChangeArrowheads="1"/>
+          </p:cNvPicPr>
+          <p:nvPr/>
+        </p:nvPicPr>
+        <p:blipFill>
+          <a:blip r:embed="rId3">
+            <a:extLst>
+              <a:ext uri="{28A0092B-C50C-407E-A947-70E740481C1C}">
+                <a14:useLocalDpi xmlns:a14="http://schemas.microsoft.com/office/drawing/2010/main" val="0"/>
+              </a:ext>
+            </a:extLst>
+          </a:blip>
+          <a:srcRect/>
+          <a:stretch>
+            <a:fillRect/>
+          </a:stretch>
+        </p:blipFill>
+        <p:spPr bwMode="auto">
           <a:xfrm>
-            <a:off x="395536" y="669692"/>
-            <a:ext cx="8424862" cy="1152525"/>
+            <a:off x="0" y="1318506"/>
+            <a:ext cx="9144338" cy="5566878"/>
           </a:xfrm>
           <a:prstGeom prst="rect">
             <a:avLst/>
           </a:prstGeom>
+          <a:noFill/>
+          <a:ln>
+            <a:noFill/>
+          </a:ln>
+          <a:extLst>
+            <a:ext uri="{909E8E84-426E-40DD-AFC4-6F175D3DCCD1}">
+              <a14:hiddenFill xmlns:a14="http://schemas.microsoft.com/office/drawing/2010/main">
+                <a:solidFill>
+                  <a:schemeClr val="accent1"/>
+                </a:solidFill>
+              </a14:hiddenFill>
+            </a:ext>
+            <a:ext uri="{91240B29-F687-4F45-9708-019B960494DF}">
+              <a14:hiddenLine xmlns:a14="http://schemas.microsoft.com/office/drawing/2010/main" w="9525">
+                <a:solidFill>
+                  <a:schemeClr val="tx1"/>
+                </a:solidFill>
+                <a:miter lim="800000"/>
+                <a:headEnd/>
+                <a:tailEnd/>
+              </a14:hiddenLine>
+            </a:ext>
+          </a:extLst>
         </p:spPr>
-        <p:txBody>
-          <a:bodyPr/>
-          <a:lstStyle/>
-          <a:p>
-            <a:r>
-              <a:rPr lang="en-GB" altLang="en-US" sz="2600" dirty="0" smtClean="0"/>
-              <a:t/>
-            </a:r>
-            <a:br>
-              <a:rPr lang="en-GB" altLang="en-US" sz="2600" dirty="0" smtClean="0"/>
-            </a:br>
-            <a:r>
-              <a:rPr lang="en-GB" altLang="en-US" sz="2600" b="1" dirty="0">
-                <a:latin typeface="Verdana"/>
-                <a:ea typeface="+mn-ea"/>
-              </a:rPr>
-              <a:t>Methods and  systems development theory</a:t>
-            </a:r>
-          </a:p>
-        </p:txBody>
-      </p:sp>
+      </p:pic>
     </p:spTree>
     <p:extLst>
       <p:ext uri="{BB962C8B-B14F-4D97-AF65-F5344CB8AC3E}">
-        <p14:creationId xmlns:p14="http://schemas.microsoft.com/office/powerpoint/2010/main" val="4026947031"/>
+        <p14:creationId xmlns:p14="http://schemas.microsoft.com/office/powerpoint/2010/main" val="144591201"/>
       </p:ext>
     </p:extLst>
   </p:cSld>
@@ -5989,9 +5807,9 @@
       </p:grpSpPr>
       <p:sp>
         <p:nvSpPr>
-          <p:cNvPr id="2" name="Pladsholder til tekst 1"/>
+          <p:cNvPr id="113667" name="Rectangle 3"/>
           <p:cNvSpPr>
-            <a:spLocks noGrp="1"/>
+            <a:spLocks noGrp="1" noChangeArrowheads="1"/>
           </p:cNvSpPr>
           <p:nvPr>
             <p:ph type="body" sz="quarter" idx="10"/>
@@ -6002,17 +5820,29 @@
           <a:bodyPr/>
           <a:lstStyle/>
           <a:p>
-            <a:r>
-              <a:rPr lang="da-DK" altLang="en-US" dirty="0"/>
-              <a:t>Ideal and reality</a:t>
-            </a:r>
-            <a:endParaRPr lang="da-DK" dirty="0"/>
+            <a:endParaRPr lang="en-GB" altLang="en-US" sz="2000" dirty="0" smtClean="0"/>
+          </a:p>
+          <a:p>
+            <a:pPr marL="742923" lvl="2" indent="-342888">
+              <a:lnSpc>
+                <a:spcPct val="90000"/>
+              </a:lnSpc>
+            </a:pPr>
+            <a:endParaRPr lang="en-GB" altLang="en-US" sz="2000" dirty="0" smtClean="0"/>
+          </a:p>
+          <a:p>
+            <a:pPr>
+              <a:lnSpc>
+                <a:spcPct val="90000"/>
+              </a:lnSpc>
+            </a:pPr>
+            <a:endParaRPr lang="en-GB" altLang="en-US" sz="2000" dirty="0"/>
           </a:p>
         </p:txBody>
       </p:sp>
       <p:sp>
         <p:nvSpPr>
-          <p:cNvPr id="3" name="Pladsholder til indhold 2"/>
+          <p:cNvPr id="2" name="Pladsholder til indhold 1"/>
           <p:cNvSpPr>
             <a:spLocks noGrp="1"/>
           </p:cNvSpPr>
@@ -6022,8 +5852,8 @@
         </p:nvSpPr>
         <p:spPr>
           <a:xfrm>
-            <a:off x="510347" y="2116874"/>
-            <a:ext cx="8086620" cy="4408470"/>
+            <a:off x="395536" y="2116874"/>
+            <a:ext cx="8496943" cy="4480478"/>
           </a:xfrm>
         </p:spPr>
         <p:txBody>
@@ -6032,134 +5862,169 @@
           </a:bodyPr>
           <a:lstStyle/>
           <a:p>
-            <a:pPr marL="0" indent="0">
+            <a:pPr marL="342888" lvl="1" indent="-342888">
               <a:lnSpc>
-                <a:spcPct val="80000"/>
+                <a:spcPct val="90000"/>
               </a:lnSpc>
-              <a:buNone/>
             </a:pPr>
             <a:r>
               <a:rPr lang="en-GB" altLang="en-US" sz="2000" b="1" dirty="0"/>
-              <a:t>Many methods build on a rational ideal:</a:t>
+              <a:t>Methods</a:t>
+            </a:r>
+            <a:r>
+              <a:rPr lang="en-GB" altLang="en-US" sz="2000" dirty="0"/>
+              <a:t> have a more or less defined scope</a:t>
+            </a:r>
+            <a:endParaRPr lang="en-GB" altLang="en-US" sz="800" dirty="0"/>
+          </a:p>
+          <a:p>
+            <a:pPr marL="342888" lvl="1" indent="-342888">
+              <a:lnSpc>
+                <a:spcPct val="90000"/>
+              </a:lnSpc>
+            </a:pPr>
+            <a:r>
+              <a:rPr lang="en-GB" altLang="en-US" sz="2000" b="1" dirty="0"/>
+              <a:t>Methods </a:t>
+            </a:r>
+            <a:r>
+              <a:rPr lang="en-GB" altLang="en-US" sz="2000" dirty="0"/>
+              <a:t>have an underlying perspective</a:t>
+            </a:r>
+            <a:endParaRPr lang="en-GB" altLang="en-US" sz="800" dirty="0"/>
+          </a:p>
+          <a:p>
+            <a:pPr>
+              <a:lnSpc>
+                <a:spcPct val="90000"/>
+              </a:lnSpc>
+            </a:pPr>
+            <a:r>
+              <a:rPr lang="en-GB" altLang="en-US" sz="2000" b="1" dirty="0"/>
+              <a:t>Methods </a:t>
+            </a:r>
+            <a:r>
+              <a:rPr lang="en-GB" altLang="en-US" sz="2000" dirty="0"/>
+              <a:t>provides guidelines for how the process should proceed:</a:t>
             </a:r>
           </a:p>
           <a:p>
             <a:pPr lvl="1">
               <a:lnSpc>
-                <a:spcPct val="80000"/>
+                <a:spcPct val="90000"/>
               </a:lnSpc>
             </a:pPr>
             <a:r>
               <a:rPr lang="en-GB" altLang="en-US" sz="2000" dirty="0"/>
-              <a:t>Common and clearly defined goals</a:t>
+              <a:t>The sequence in which to carry out the functions</a:t>
             </a:r>
           </a:p>
           <a:p>
             <a:pPr lvl="1">
               <a:lnSpc>
-                <a:spcPct val="80000"/>
+                <a:spcPct val="90000"/>
               </a:lnSpc>
             </a:pPr>
             <a:r>
               <a:rPr lang="en-GB" altLang="en-US" sz="2000" dirty="0"/>
-              <a:t>Adequate and accessible resources</a:t>
-            </a:r>
-          </a:p>
-          <a:p>
-            <a:pPr lvl="1">
+              <a:t>The artefacts to produce</a:t>
+            </a:r>
+          </a:p>
+          <a:p>
+            <a:pPr marL="742923" lvl="2" indent="-342888">
               <a:lnSpc>
-                <a:spcPct val="80000"/>
-              </a:lnSpc>
-            </a:pPr>
-            <a:r>
-              <a:rPr lang="en-GB" altLang="en-US" sz="2000" dirty="0"/>
-              <a:t>Developers can analyse their way to relevant designs and predict their consequences</a:t>
-            </a:r>
-          </a:p>
-          <a:p>
-            <a:pPr lvl="1">
-              <a:lnSpc>
-                <a:spcPct val="80000"/>
+                <a:spcPct val="90000"/>
               </a:lnSpc>
             </a:pPr>
             <a:endParaRPr lang="en-GB" altLang="en-US" sz="2000" dirty="0"/>
           </a:p>
           <a:p>
-            <a:pPr marL="0" indent="0">
-              <a:lnSpc>
-                <a:spcPct val="80000"/>
-              </a:lnSpc>
-              <a:buNone/>
+            <a:r>
+              <a:rPr lang="en-GB" altLang="en-US" sz="2000" dirty="0"/>
+              <a:t>Experience is essential for system developers</a:t>
+            </a:r>
+          </a:p>
+          <a:p>
+            <a:r>
+              <a:rPr lang="en-GB" altLang="en-US" sz="2000" dirty="0"/>
+              <a:t>Methods are experience put in patterns</a:t>
+            </a:r>
+          </a:p>
+          <a:p>
+            <a:r>
+              <a:rPr lang="en-GB" altLang="en-US" sz="2000" dirty="0"/>
+              <a:t>Methods are not practical if the situation does not fit</a:t>
+            </a:r>
+          </a:p>
+          <a:p>
+            <a:pPr>
+              <a:buFont typeface="Symbol" charset="2"/>
+              <a:buChar char="Þ"/>
             </a:pPr>
             <a:r>
-              <a:rPr lang="en-GB" altLang="en-US" sz="2000" b="1" dirty="0"/>
-              <a:t>System developments projects in real life:</a:t>
-            </a:r>
-          </a:p>
-          <a:p>
-            <a:pPr lvl="1">
-              <a:lnSpc>
-                <a:spcPct val="80000"/>
-              </a:lnSpc>
+              <a:rPr lang="en-GB" altLang="en-US" sz="2000" dirty="0"/>
+              <a:t> General knowledge – systems development theory</a:t>
+            </a:r>
+          </a:p>
+          <a:p>
+            <a:pPr>
+              <a:buFont typeface="Symbol" charset="2"/>
+              <a:buChar char="Þ"/>
             </a:pPr>
             <a:r>
               <a:rPr lang="en-GB" altLang="en-US" sz="2000" dirty="0"/>
-              <a:t>Starts without clearly defined goals</a:t>
-            </a:r>
-          </a:p>
-          <a:p>
-            <a:pPr lvl="1">
-              <a:lnSpc>
-                <a:spcPct val="80000"/>
-              </a:lnSpc>
-            </a:pPr>
-            <a:r>
-              <a:rPr lang="en-GB" altLang="en-US" sz="2000" dirty="0"/>
-              <a:t>Design decisions are taken without analysis of alternatives</a:t>
-            </a:r>
-          </a:p>
-          <a:p>
-            <a:pPr lvl="1">
-              <a:lnSpc>
-                <a:spcPct val="80000"/>
-              </a:lnSpc>
-            </a:pPr>
-            <a:r>
-              <a:rPr lang="en-GB" altLang="en-US" sz="2000" dirty="0"/>
-              <a:t>Great complexity</a:t>
-            </a:r>
-          </a:p>
-          <a:p>
-            <a:pPr lvl="1">
-              <a:lnSpc>
-                <a:spcPct val="80000"/>
-              </a:lnSpc>
-            </a:pPr>
-            <a:r>
-              <a:rPr lang="en-GB" altLang="en-US" sz="2000" dirty="0"/>
-              <a:t>Changing requirements</a:t>
-            </a:r>
-          </a:p>
-          <a:p>
-            <a:pPr lvl="1">
-              <a:lnSpc>
-                <a:spcPct val="80000"/>
-              </a:lnSpc>
-            </a:pPr>
-            <a:r>
-              <a:rPr lang="en-GB" altLang="en-US" sz="2000" dirty="0"/>
-              <a:t>…</a:t>
+              <a:t> Method Independent understanding of systems development</a:t>
             </a:r>
           </a:p>
           <a:p>
             <a:endParaRPr lang="da-DK" dirty="0"/>
+          </a:p>
+        </p:txBody>
+      </p:sp>
+      <p:sp>
+        <p:nvSpPr>
+          <p:cNvPr id="113666" name="Rectangle 2"/>
+          <p:cNvSpPr>
+            <a:spLocks noGrp="1" noChangeArrowheads="1"/>
+          </p:cNvSpPr>
+          <p:nvPr>
+            <p:ph type="title" idx="4294967295"/>
+          </p:nvPr>
+        </p:nvSpPr>
+        <p:spPr>
+          <a:xfrm>
+            <a:off x="395536" y="669692"/>
+            <a:ext cx="8424862" cy="1152525"/>
+          </a:xfrm>
+          <a:prstGeom prst="rect">
+            <a:avLst/>
+          </a:prstGeom>
+        </p:spPr>
+        <p:txBody>
+          <a:bodyPr/>
+          <a:lstStyle/>
+          <a:p>
+            <a:r>
+              <a:rPr lang="en-GB" altLang="en-US" sz="2600" dirty="0" smtClean="0"/>
+              <a:t/>
+            </a:r>
+            <a:br>
+              <a:rPr lang="en-GB" altLang="en-US" sz="2600" dirty="0" smtClean="0"/>
+            </a:br>
+            <a:r>
+              <a:rPr lang="en-GB" altLang="en-US" sz="2600" b="1" dirty="0">
+                <a:latin typeface="Verdana"/>
+                <a:ea typeface="+mn-ea"/>
+              </a:rPr>
+              <a:t>Methods and  systems development theory</a:t>
+            </a:r>
           </a:p>
         </p:txBody>
       </p:sp>
     </p:spTree>
     <p:extLst>
       <p:ext uri="{BB962C8B-B14F-4D97-AF65-F5344CB8AC3E}">
-        <p14:creationId xmlns:p14="http://schemas.microsoft.com/office/powerpoint/2010/main" val="2891012422"/>
+        <p14:creationId xmlns:p14="http://schemas.microsoft.com/office/powerpoint/2010/main" val="4026947031"/>
       </p:ext>
     </p:extLst>
   </p:cSld>
@@ -6195,6 +6060,212 @@
       </p:grpSpPr>
       <p:sp>
         <p:nvSpPr>
+          <p:cNvPr id="2" name="Pladsholder til tekst 1"/>
+          <p:cNvSpPr>
+            <a:spLocks noGrp="1"/>
+          </p:cNvSpPr>
+          <p:nvPr>
+            <p:ph type="body" sz="quarter" idx="10"/>
+          </p:nvPr>
+        </p:nvSpPr>
+        <p:spPr/>
+        <p:txBody>
+          <a:bodyPr/>
+          <a:lstStyle/>
+          <a:p>
+            <a:r>
+              <a:rPr lang="da-DK" altLang="en-US" dirty="0"/>
+              <a:t>Ideal and reality</a:t>
+            </a:r>
+            <a:endParaRPr lang="da-DK" dirty="0"/>
+          </a:p>
+        </p:txBody>
+      </p:sp>
+      <p:sp>
+        <p:nvSpPr>
+          <p:cNvPr id="3" name="Pladsholder til indhold 2"/>
+          <p:cNvSpPr>
+            <a:spLocks noGrp="1"/>
+          </p:cNvSpPr>
+          <p:nvPr>
+            <p:ph sz="quarter" idx="12"/>
+          </p:nvPr>
+        </p:nvSpPr>
+        <p:spPr>
+          <a:xfrm>
+            <a:off x="510347" y="2116874"/>
+            <a:ext cx="8086620" cy="4408470"/>
+          </a:xfrm>
+        </p:spPr>
+        <p:txBody>
+          <a:bodyPr>
+            <a:normAutofit/>
+          </a:bodyPr>
+          <a:lstStyle/>
+          <a:p>
+            <a:pPr marL="0" indent="0">
+              <a:lnSpc>
+                <a:spcPct val="80000"/>
+              </a:lnSpc>
+              <a:buNone/>
+            </a:pPr>
+            <a:r>
+              <a:rPr lang="en-GB" altLang="en-US" sz="2000" b="1" dirty="0"/>
+              <a:t>Many methods build on a rational ideal:</a:t>
+            </a:r>
+          </a:p>
+          <a:p>
+            <a:pPr lvl="1">
+              <a:lnSpc>
+                <a:spcPct val="80000"/>
+              </a:lnSpc>
+            </a:pPr>
+            <a:r>
+              <a:rPr lang="en-GB" altLang="en-US" sz="2000" dirty="0"/>
+              <a:t>Common and clearly defined goals</a:t>
+            </a:r>
+          </a:p>
+          <a:p>
+            <a:pPr lvl="1">
+              <a:lnSpc>
+                <a:spcPct val="80000"/>
+              </a:lnSpc>
+            </a:pPr>
+            <a:r>
+              <a:rPr lang="en-GB" altLang="en-US" sz="2000" dirty="0"/>
+              <a:t>Adequate and accessible resources</a:t>
+            </a:r>
+          </a:p>
+          <a:p>
+            <a:pPr lvl="1">
+              <a:lnSpc>
+                <a:spcPct val="80000"/>
+              </a:lnSpc>
+            </a:pPr>
+            <a:r>
+              <a:rPr lang="en-GB" altLang="en-US" sz="2000" dirty="0"/>
+              <a:t>Developers can analyse their way to relevant designs and predict their consequences</a:t>
+            </a:r>
+          </a:p>
+          <a:p>
+            <a:pPr lvl="1">
+              <a:lnSpc>
+                <a:spcPct val="80000"/>
+              </a:lnSpc>
+            </a:pPr>
+            <a:endParaRPr lang="en-GB" altLang="en-US" sz="2000" dirty="0"/>
+          </a:p>
+          <a:p>
+            <a:pPr marL="0" indent="0">
+              <a:lnSpc>
+                <a:spcPct val="80000"/>
+              </a:lnSpc>
+              <a:buNone/>
+            </a:pPr>
+            <a:r>
+              <a:rPr lang="en-GB" altLang="en-US" sz="2000" b="1" dirty="0"/>
+              <a:t>System developments projects in real life:</a:t>
+            </a:r>
+          </a:p>
+          <a:p>
+            <a:pPr lvl="1">
+              <a:lnSpc>
+                <a:spcPct val="80000"/>
+              </a:lnSpc>
+            </a:pPr>
+            <a:r>
+              <a:rPr lang="en-GB" altLang="en-US" sz="2000" dirty="0"/>
+              <a:t>Starts without clearly defined goals</a:t>
+            </a:r>
+          </a:p>
+          <a:p>
+            <a:pPr lvl="1">
+              <a:lnSpc>
+                <a:spcPct val="80000"/>
+              </a:lnSpc>
+            </a:pPr>
+            <a:r>
+              <a:rPr lang="en-GB" altLang="en-US" sz="2000" dirty="0"/>
+              <a:t>Design decisions are taken without analysis of alternatives</a:t>
+            </a:r>
+          </a:p>
+          <a:p>
+            <a:pPr lvl="1">
+              <a:lnSpc>
+                <a:spcPct val="80000"/>
+              </a:lnSpc>
+            </a:pPr>
+            <a:r>
+              <a:rPr lang="en-GB" altLang="en-US" sz="2000" dirty="0"/>
+              <a:t>Great complexity</a:t>
+            </a:r>
+          </a:p>
+          <a:p>
+            <a:pPr lvl="1">
+              <a:lnSpc>
+                <a:spcPct val="80000"/>
+              </a:lnSpc>
+            </a:pPr>
+            <a:r>
+              <a:rPr lang="en-GB" altLang="en-US" sz="2000" dirty="0"/>
+              <a:t>Changing requirements</a:t>
+            </a:r>
+          </a:p>
+          <a:p>
+            <a:pPr lvl="1">
+              <a:lnSpc>
+                <a:spcPct val="80000"/>
+              </a:lnSpc>
+            </a:pPr>
+            <a:r>
+              <a:rPr lang="en-GB" altLang="en-US" sz="2000" dirty="0"/>
+              <a:t>…</a:t>
+            </a:r>
+          </a:p>
+          <a:p>
+            <a:endParaRPr lang="da-DK" dirty="0"/>
+          </a:p>
+        </p:txBody>
+      </p:sp>
+    </p:spTree>
+    <p:extLst>
+      <p:ext uri="{BB962C8B-B14F-4D97-AF65-F5344CB8AC3E}">
+        <p14:creationId xmlns:p14="http://schemas.microsoft.com/office/powerpoint/2010/main" val="2891012422"/>
+      </p:ext>
+    </p:extLst>
+  </p:cSld>
+  <p:clrMapOvr>
+    <a:masterClrMapping/>
+  </p:clrMapOvr>
+  <p:timing>
+    <p:tnLst>
+      <p:par>
+        <p:cTn id="1" dur="indefinite" restart="never" nodeType="tmRoot"/>
+      </p:par>
+    </p:tnLst>
+  </p:timing>
+</p:sld>
+</file>
+
+<file path=ppt/slides/slide13.xml><?xml version="1.0" encoding="utf-8"?>
+<p:sld xmlns:a="http://schemas.openxmlformats.org/drawingml/2006/main" xmlns:r="http://schemas.openxmlformats.org/officeDocument/2006/relationships" xmlns:p="http://schemas.openxmlformats.org/presentationml/2006/main">
+  <p:cSld>
+    <p:spTree>
+      <p:nvGrpSpPr>
+        <p:cNvPr id="1" name=""/>
+        <p:cNvGrpSpPr/>
+        <p:nvPr/>
+      </p:nvGrpSpPr>
+      <p:grpSpPr>
+        <a:xfrm>
+          <a:off x="0" y="0"/>
+          <a:ext cx="0" cy="0"/>
+          <a:chOff x="0" y="0"/>
+          <a:chExt cx="0" cy="0"/>
+        </a:xfrm>
+      </p:grpSpPr>
+      <p:sp>
+        <p:nvSpPr>
           <p:cNvPr id="4" name="Pladsholder til tekst 3"/>
           <p:cNvSpPr>
             <a:spLocks noGrp="1"/>
@@ -6276,7 +6347,15 @@
             <a:pPr lvl="2"/>
             <a:r>
               <a:rPr lang="en-GB" sz="2000" dirty="0"/>
-              <a:t>Which models are made during analysis? </a:t>
+              <a:t>Which </a:t>
+            </a:r>
+            <a:r>
+              <a:rPr lang="en-GB" sz="2000" dirty="0" smtClean="0"/>
+              <a:t>artefacts </a:t>
+            </a:r>
+            <a:r>
+              <a:rPr lang="en-GB" sz="2000" dirty="0"/>
+              <a:t>are made during analysis? </a:t>
             </a:r>
           </a:p>
           <a:p>
@@ -6304,7 +6383,7 @@
 </p:sld>
 </file>
 
-<file path=ppt/slides/slide13.xml><?xml version="1.0" encoding="utf-8"?>
+<file path=ppt/slides/slide14.xml><?xml version="1.0" encoding="utf-8"?>
 <p:sld xmlns:a="http://schemas.openxmlformats.org/drawingml/2006/main" xmlns:r="http://schemas.openxmlformats.org/officeDocument/2006/relationships" xmlns:p="http://schemas.openxmlformats.org/presentationml/2006/main">
   <p:cSld>
     <p:spTree>
@@ -7013,7 +7092,7 @@
 </p:sld>
 </file>
 
-<file path=ppt/slides/slide14.xml><?xml version="1.0" encoding="utf-8"?>
+<file path=ppt/slides/slide15.xml><?xml version="1.0" encoding="utf-8"?>
 <p:sld xmlns:a="http://schemas.openxmlformats.org/drawingml/2006/main" xmlns:r="http://schemas.openxmlformats.org/officeDocument/2006/relationships" xmlns:p="http://schemas.openxmlformats.org/presentationml/2006/main">
   <p:cSld>
     <p:spTree>
@@ -7467,7 +7546,7 @@
 </p:sld>
 </file>
 
-<file path=ppt/slides/slide15.xml><?xml version="1.0" encoding="utf-8"?>
+<file path=ppt/slides/slide16.xml><?xml version="1.0" encoding="utf-8"?>
 <p:sld xmlns:a="http://schemas.openxmlformats.org/drawingml/2006/main" xmlns:r="http://schemas.openxmlformats.org/officeDocument/2006/relationships" xmlns:p="http://schemas.openxmlformats.org/presentationml/2006/main">
   <p:cSld>
     <p:spTree>
@@ -7634,7 +7713,7 @@
 </p:sld>
 </file>
 
-<file path=ppt/slides/slide16.xml><?xml version="1.0" encoding="utf-8"?>
+<file path=ppt/slides/slide17.xml><?xml version="1.0" encoding="utf-8"?>
 <p:sld xmlns:a="http://schemas.openxmlformats.org/drawingml/2006/main" xmlns:r="http://schemas.openxmlformats.org/officeDocument/2006/relationships" xmlns:p="http://schemas.openxmlformats.org/presentationml/2006/main">
   <p:cSld>
     <p:spTree>
@@ -7829,7 +7908,7 @@
 </p:sld>
 </file>
 
-<file path=ppt/slides/slide17.xml><?xml version="1.0" encoding="utf-8"?>
+<file path=ppt/slides/slide18.xml><?xml version="1.0" encoding="utf-8"?>
 <p:sld xmlns:a="http://schemas.openxmlformats.org/drawingml/2006/main" xmlns:r="http://schemas.openxmlformats.org/officeDocument/2006/relationships" xmlns:p="http://schemas.openxmlformats.org/presentationml/2006/main">
   <p:cSld>
     <p:spTree>
@@ -8216,7 +8295,7 @@
 </p:sld>
 </file>
 
-<file path=ppt/slides/slide18.xml><?xml version="1.0" encoding="utf-8"?>
+<file path=ppt/slides/slide19.xml><?xml version="1.0" encoding="utf-8"?>
 <p:sld xmlns:a="http://schemas.openxmlformats.org/drawingml/2006/main" xmlns:r="http://schemas.openxmlformats.org/officeDocument/2006/relationships" xmlns:p="http://schemas.openxmlformats.org/presentationml/2006/main">
   <p:cSld>
     <p:spTree>
@@ -8305,7 +8384,569 @@
 </p:sld>
 </file>
 
-<file path=ppt/slides/slide19.xml><?xml version="1.0" encoding="utf-8"?>
+<file path=ppt/slides/slide2.xml><?xml version="1.0" encoding="utf-8"?>
+<p:sld xmlns:a="http://schemas.openxmlformats.org/drawingml/2006/main" xmlns:r="http://schemas.openxmlformats.org/officeDocument/2006/relationships" xmlns:p="http://schemas.openxmlformats.org/presentationml/2006/main">
+  <p:cSld>
+    <p:spTree>
+      <p:nvGrpSpPr>
+        <p:cNvPr id="1" name=""/>
+        <p:cNvGrpSpPr/>
+        <p:nvPr/>
+      </p:nvGrpSpPr>
+      <p:grpSpPr>
+        <a:xfrm>
+          <a:off x="0" y="0"/>
+          <a:ext cx="0" cy="0"/>
+          <a:chOff x="0" y="0"/>
+          <a:chExt cx="0" cy="0"/>
+        </a:xfrm>
+      </p:grpSpPr>
+      <p:sp>
+        <p:nvSpPr>
+          <p:cNvPr id="2" name="Pladsholder til tekst 1"/>
+          <p:cNvSpPr>
+            <a:spLocks noGrp="1"/>
+          </p:cNvSpPr>
+          <p:nvPr>
+            <p:ph type="body" sz="quarter" idx="10"/>
+          </p:nvPr>
+        </p:nvSpPr>
+        <p:spPr>
+          <a:xfrm>
+            <a:off x="251520" y="548680"/>
+            <a:ext cx="8086620" cy="1143427"/>
+          </a:xfrm>
+        </p:spPr>
+        <p:txBody>
+          <a:bodyPr/>
+          <a:lstStyle/>
+          <a:p>
+            <a:r>
+              <a:rPr lang="da-DK" dirty="0" smtClean="0"/>
+              <a:t>Eksempel på </a:t>
+            </a:r>
+            <a:r>
+              <a:rPr lang="da-DK" sz="3200" dirty="0" smtClean="0"/>
+              <a:t>Eksamensspørgsmål</a:t>
+            </a:r>
+            <a:endParaRPr lang="da-DK" dirty="0"/>
+          </a:p>
+        </p:txBody>
+      </p:sp>
+      <p:sp>
+        <p:nvSpPr>
+          <p:cNvPr id="4" name="Rektangel 3"/>
+          <p:cNvSpPr/>
+          <p:nvPr/>
+        </p:nvSpPr>
+        <p:spPr>
+          <a:xfrm>
+            <a:off x="467544" y="1484784"/>
+            <a:ext cx="8568952" cy="4879797"/>
+          </a:xfrm>
+          <a:prstGeom prst="rect">
+            <a:avLst/>
+          </a:prstGeom>
+        </p:spPr>
+        <p:txBody>
+          <a:bodyPr wrap="square">
+            <a:spAutoFit/>
+          </a:bodyPr>
+          <a:lstStyle/>
+          <a:p>
+            <a:pPr marL="342900" lvl="0" indent="-342900">
+              <a:buFont typeface="+mj-lt"/>
+              <a:buAutoNum type="alphaUcPeriod"/>
+            </a:pPr>
+            <a:r>
+              <a:rPr lang="da-DK" dirty="0"/>
+              <a:t>Beskriv de relevante faktorer at have med når man skal vælge en </a:t>
+            </a:r>
+            <a:r>
+              <a:rPr lang="da-DK" dirty="0" smtClean="0"/>
+              <a:t>systemudviklingsmetode</a:t>
+            </a:r>
+            <a:endParaRPr lang="da-DK" sz="1400" dirty="0"/>
+          </a:p>
+          <a:p>
+            <a:pPr marL="800100" lvl="1" indent="-342900">
+              <a:buFont typeface="+mj-lt"/>
+              <a:buAutoNum type="alphaUcPeriod"/>
+            </a:pPr>
+            <a:r>
+              <a:rPr lang="da-DK" dirty="0"/>
+              <a:t>Generelt</a:t>
+            </a:r>
+            <a:endParaRPr lang="da-DK" sz="1400" dirty="0"/>
+          </a:p>
+          <a:p>
+            <a:pPr marL="800100" lvl="1" indent="-342900">
+              <a:buFont typeface="+mj-lt"/>
+              <a:buAutoNum type="alphaUcPeriod"/>
+            </a:pPr>
+            <a:r>
+              <a:rPr lang="da-DK" dirty="0"/>
+              <a:t>I relation til dit projekt</a:t>
+            </a:r>
+            <a:r>
+              <a:rPr lang="da-DK" sz="2000" dirty="0"/>
+              <a:t/>
+            </a:r>
+            <a:br>
+              <a:rPr lang="da-DK" sz="2000" dirty="0"/>
+            </a:br>
+            <a:endParaRPr lang="da-DK" sz="1600" dirty="0"/>
+          </a:p>
+          <a:p>
+            <a:pPr marL="342900" lvl="0" indent="-342900">
+              <a:lnSpc>
+                <a:spcPct val="115000"/>
+              </a:lnSpc>
+              <a:spcAft>
+                <a:spcPts val="0"/>
+              </a:spcAft>
+              <a:buFont typeface="+mj-lt"/>
+              <a:buAutoNum type="alphaUcPeriod"/>
+            </a:pPr>
+            <a:r>
+              <a:rPr lang="da-DK" dirty="0" smtClean="0">
+                <a:latin typeface="Calibri" panose="020F0502020204030204" pitchFamily="34" charset="0"/>
+                <a:ea typeface="Calibri" panose="020F0502020204030204" pitchFamily="34" charset="0"/>
+                <a:cs typeface="Times New Roman" panose="02020603050405020304" pitchFamily="18" charset="0"/>
+              </a:rPr>
+              <a:t>XP </a:t>
+            </a:r>
+            <a:r>
+              <a:rPr lang="da-DK" dirty="0">
+                <a:latin typeface="Calibri" panose="020F0502020204030204" pitchFamily="34" charset="0"/>
+                <a:ea typeface="Calibri" panose="020F0502020204030204" pitchFamily="34" charset="0"/>
+                <a:cs typeface="Times New Roman" panose="02020603050405020304" pitchFamily="18" charset="0"/>
+              </a:rPr>
+              <a:t>og </a:t>
+            </a:r>
+            <a:r>
+              <a:rPr lang="da-DK" dirty="0" err="1">
+                <a:latin typeface="Calibri" panose="020F0502020204030204" pitchFamily="34" charset="0"/>
+                <a:ea typeface="Calibri" panose="020F0502020204030204" pitchFamily="34" charset="0"/>
+                <a:cs typeface="Times New Roman" panose="02020603050405020304" pitchFamily="18" charset="0"/>
+              </a:rPr>
+              <a:t>Scrum</a:t>
+            </a:r>
+            <a:r>
+              <a:rPr lang="da-DK" dirty="0">
+                <a:latin typeface="Calibri" panose="020F0502020204030204" pitchFamily="34" charset="0"/>
+                <a:ea typeface="Calibri" panose="020F0502020204030204" pitchFamily="34" charset="0"/>
+                <a:cs typeface="Times New Roman" panose="02020603050405020304" pitchFamily="18" charset="0"/>
+              </a:rPr>
+              <a:t> – forklar</a:t>
+            </a:r>
+            <a:endParaRPr lang="da-DK" sz="1400" dirty="0">
+              <a:latin typeface="Calibri" panose="020F0502020204030204" pitchFamily="34" charset="0"/>
+              <a:ea typeface="Calibri" panose="020F0502020204030204" pitchFamily="34" charset="0"/>
+              <a:cs typeface="Times New Roman" panose="02020603050405020304" pitchFamily="18" charset="0"/>
+            </a:endParaRPr>
+          </a:p>
+          <a:p>
+            <a:pPr marL="742950" lvl="1" indent="-285750">
+              <a:lnSpc>
+                <a:spcPct val="115000"/>
+              </a:lnSpc>
+              <a:spcAft>
+                <a:spcPts val="0"/>
+              </a:spcAft>
+              <a:buFont typeface="+mj-lt"/>
+              <a:buAutoNum type="alphaLcPeriod"/>
+            </a:pPr>
+            <a:r>
+              <a:rPr lang="da-DK" dirty="0">
+                <a:latin typeface="Calibri" panose="020F0502020204030204" pitchFamily="34" charset="0"/>
+                <a:ea typeface="Calibri" panose="020F0502020204030204" pitchFamily="34" charset="0"/>
+                <a:cs typeface="Times New Roman" panose="02020603050405020304" pitchFamily="18" charset="0"/>
+              </a:rPr>
+              <a:t>Hvordan </a:t>
+            </a:r>
+            <a:r>
+              <a:rPr lang="da-DK" dirty="0" err="1">
+                <a:latin typeface="Calibri" panose="020F0502020204030204" pitchFamily="34" charset="0"/>
+                <a:ea typeface="Calibri" panose="020F0502020204030204" pitchFamily="34" charset="0"/>
+                <a:cs typeface="Times New Roman" panose="02020603050405020304" pitchFamily="18" charset="0"/>
+              </a:rPr>
+              <a:t>continuous</a:t>
+            </a:r>
+            <a:r>
+              <a:rPr lang="da-DK" dirty="0">
+                <a:latin typeface="Calibri" panose="020F0502020204030204" pitchFamily="34" charset="0"/>
+                <a:ea typeface="Calibri" panose="020F0502020204030204" pitchFamily="34" charset="0"/>
+                <a:cs typeface="Times New Roman" panose="02020603050405020304" pitchFamily="18" charset="0"/>
+              </a:rPr>
+              <a:t> Integration og </a:t>
+            </a:r>
+            <a:r>
+              <a:rPr lang="da-DK" dirty="0" err="1">
+                <a:latin typeface="Calibri" panose="020F0502020204030204" pitchFamily="34" charset="0"/>
+                <a:ea typeface="Calibri" panose="020F0502020204030204" pitchFamily="34" charset="0"/>
+                <a:cs typeface="Times New Roman" panose="02020603050405020304" pitchFamily="18" charset="0"/>
+              </a:rPr>
+              <a:t>testing</a:t>
+            </a:r>
+            <a:r>
+              <a:rPr lang="da-DK" dirty="0">
+                <a:latin typeface="Calibri" panose="020F0502020204030204" pitchFamily="34" charset="0"/>
+                <a:ea typeface="Calibri" panose="020F0502020204030204" pitchFamily="34" charset="0"/>
+                <a:cs typeface="Times New Roman" panose="02020603050405020304" pitchFamily="18" charset="0"/>
+              </a:rPr>
+              <a:t> forstærker hinanden </a:t>
+            </a:r>
+            <a:endParaRPr lang="da-DK" sz="1400" dirty="0">
+              <a:latin typeface="Calibri" panose="020F0502020204030204" pitchFamily="34" charset="0"/>
+              <a:ea typeface="Calibri" panose="020F0502020204030204" pitchFamily="34" charset="0"/>
+              <a:cs typeface="Times New Roman" panose="02020603050405020304" pitchFamily="18" charset="0"/>
+            </a:endParaRPr>
+          </a:p>
+          <a:p>
+            <a:pPr marL="742950" lvl="1" indent="-285750">
+              <a:lnSpc>
+                <a:spcPct val="115000"/>
+              </a:lnSpc>
+              <a:spcAft>
+                <a:spcPts val="0"/>
+              </a:spcAft>
+              <a:buFont typeface="+mj-lt"/>
+              <a:buAutoNum type="alphaLcPeriod"/>
+            </a:pPr>
+            <a:r>
+              <a:rPr lang="da-DK" dirty="0">
+                <a:latin typeface="Calibri" panose="020F0502020204030204" pitchFamily="34" charset="0"/>
+                <a:ea typeface="Calibri" panose="020F0502020204030204" pitchFamily="34" charset="0"/>
+                <a:cs typeface="Times New Roman" panose="02020603050405020304" pitchFamily="18" charset="0"/>
+              </a:rPr>
+              <a:t>Hvordan parprogrammering og </a:t>
+            </a:r>
+            <a:r>
+              <a:rPr lang="da-DK" dirty="0" err="1">
+                <a:latin typeface="Calibri" panose="020F0502020204030204" pitchFamily="34" charset="0"/>
+                <a:ea typeface="Calibri" panose="020F0502020204030204" pitchFamily="34" charset="0"/>
+                <a:cs typeface="Times New Roman" panose="02020603050405020304" pitchFamily="18" charset="0"/>
+              </a:rPr>
+              <a:t>Collective</a:t>
+            </a:r>
+            <a:r>
+              <a:rPr lang="da-DK" dirty="0">
+                <a:latin typeface="Calibri" panose="020F0502020204030204" pitchFamily="34" charset="0"/>
+                <a:ea typeface="Calibri" panose="020F0502020204030204" pitchFamily="34" charset="0"/>
+                <a:cs typeface="Times New Roman" panose="02020603050405020304" pitchFamily="18" charset="0"/>
+              </a:rPr>
+              <a:t> </a:t>
+            </a:r>
+            <a:r>
+              <a:rPr lang="da-DK" dirty="0" err="1">
+                <a:latin typeface="Calibri" panose="020F0502020204030204" pitchFamily="34" charset="0"/>
+                <a:ea typeface="Calibri" panose="020F0502020204030204" pitchFamily="34" charset="0"/>
+                <a:cs typeface="Times New Roman" panose="02020603050405020304" pitchFamily="18" charset="0"/>
+              </a:rPr>
+              <a:t>Ownership</a:t>
+            </a:r>
+            <a:r>
+              <a:rPr lang="da-DK" dirty="0">
+                <a:latin typeface="Calibri" panose="020F0502020204030204" pitchFamily="34" charset="0"/>
+                <a:ea typeface="Calibri" panose="020F0502020204030204" pitchFamily="34" charset="0"/>
+                <a:cs typeface="Times New Roman" panose="02020603050405020304" pitchFamily="18" charset="0"/>
+              </a:rPr>
+              <a:t> forstærker hinanden </a:t>
+            </a:r>
+            <a:endParaRPr lang="da-DK" sz="1400" dirty="0">
+              <a:latin typeface="Calibri" panose="020F0502020204030204" pitchFamily="34" charset="0"/>
+              <a:ea typeface="Calibri" panose="020F0502020204030204" pitchFamily="34" charset="0"/>
+              <a:cs typeface="Times New Roman" panose="02020603050405020304" pitchFamily="18" charset="0"/>
+            </a:endParaRPr>
+          </a:p>
+          <a:p>
+            <a:pPr marL="742950" lvl="1" indent="-285750">
+              <a:lnSpc>
+                <a:spcPct val="115000"/>
+              </a:lnSpc>
+              <a:spcAft>
+                <a:spcPts val="0"/>
+              </a:spcAft>
+              <a:buFont typeface="+mj-lt"/>
+              <a:buAutoNum type="alphaLcPeriod"/>
+            </a:pPr>
+            <a:r>
+              <a:rPr lang="da-DK" dirty="0">
+                <a:latin typeface="Calibri" panose="020F0502020204030204" pitchFamily="34" charset="0"/>
+                <a:ea typeface="Calibri" panose="020F0502020204030204" pitchFamily="34" charset="0"/>
+                <a:cs typeface="Times New Roman" panose="02020603050405020304" pitchFamily="18" charset="0"/>
+              </a:rPr>
+              <a:t>Hvorfor XP og </a:t>
+            </a:r>
+            <a:r>
+              <a:rPr lang="da-DK" dirty="0" err="1">
+                <a:latin typeface="Calibri" panose="020F0502020204030204" pitchFamily="34" charset="0"/>
+                <a:ea typeface="Calibri" panose="020F0502020204030204" pitchFamily="34" charset="0"/>
+                <a:cs typeface="Times New Roman" panose="02020603050405020304" pitchFamily="18" charset="0"/>
+              </a:rPr>
+              <a:t>Scrum</a:t>
+            </a:r>
+            <a:r>
+              <a:rPr lang="da-DK" dirty="0">
+                <a:latin typeface="Calibri" panose="020F0502020204030204" pitchFamily="34" charset="0"/>
+                <a:ea typeface="Calibri" panose="020F0502020204030204" pitchFamily="34" charset="0"/>
+                <a:cs typeface="Times New Roman" panose="02020603050405020304" pitchFamily="18" charset="0"/>
+              </a:rPr>
+              <a:t> kaldes for adaptive</a:t>
+            </a:r>
+            <a:endParaRPr lang="da-DK" sz="1400" dirty="0">
+              <a:latin typeface="Calibri" panose="020F0502020204030204" pitchFamily="34" charset="0"/>
+              <a:ea typeface="Calibri" panose="020F0502020204030204" pitchFamily="34" charset="0"/>
+              <a:cs typeface="Times New Roman" panose="02020603050405020304" pitchFamily="18" charset="0"/>
+            </a:endParaRPr>
+          </a:p>
+          <a:p>
+            <a:pPr marL="742950" lvl="1" indent="-285750">
+              <a:lnSpc>
+                <a:spcPct val="115000"/>
+              </a:lnSpc>
+              <a:spcAft>
+                <a:spcPts val="0"/>
+              </a:spcAft>
+              <a:buFont typeface="+mj-lt"/>
+              <a:buAutoNum type="alphaLcPeriod"/>
+            </a:pPr>
+            <a:r>
+              <a:rPr lang="da-DK" dirty="0">
+                <a:latin typeface="Calibri" panose="020F0502020204030204" pitchFamily="34" charset="0"/>
+                <a:ea typeface="Calibri" panose="020F0502020204030204" pitchFamily="34" charset="0"/>
+                <a:cs typeface="Times New Roman" panose="02020603050405020304" pitchFamily="18" charset="0"/>
+              </a:rPr>
+              <a:t>Hvor XP og </a:t>
+            </a:r>
+            <a:r>
+              <a:rPr lang="da-DK" dirty="0" err="1">
+                <a:latin typeface="Calibri" panose="020F0502020204030204" pitchFamily="34" charset="0"/>
+                <a:ea typeface="Calibri" panose="020F0502020204030204" pitchFamily="34" charset="0"/>
+                <a:cs typeface="Times New Roman" panose="02020603050405020304" pitchFamily="18" charset="0"/>
+              </a:rPr>
+              <a:t>Scrum</a:t>
+            </a:r>
+            <a:r>
+              <a:rPr lang="da-DK" dirty="0">
+                <a:latin typeface="Calibri" panose="020F0502020204030204" pitchFamily="34" charset="0"/>
+                <a:ea typeface="Calibri" panose="020F0502020204030204" pitchFamily="34" charset="0"/>
+                <a:cs typeface="Times New Roman" panose="02020603050405020304" pitchFamily="18" charset="0"/>
+              </a:rPr>
+              <a:t> har ligheder og forskelle</a:t>
+            </a:r>
+            <a:br>
+              <a:rPr lang="da-DK" dirty="0">
+                <a:latin typeface="Calibri" panose="020F0502020204030204" pitchFamily="34" charset="0"/>
+                <a:ea typeface="Calibri" panose="020F0502020204030204" pitchFamily="34" charset="0"/>
+                <a:cs typeface="Times New Roman" panose="02020603050405020304" pitchFamily="18" charset="0"/>
+              </a:rPr>
+            </a:br>
+            <a:endParaRPr lang="da-DK" sz="1400" dirty="0">
+              <a:latin typeface="Calibri" panose="020F0502020204030204" pitchFamily="34" charset="0"/>
+              <a:ea typeface="Calibri" panose="020F0502020204030204" pitchFamily="34" charset="0"/>
+              <a:cs typeface="Times New Roman" panose="02020603050405020304" pitchFamily="18" charset="0"/>
+            </a:endParaRPr>
+          </a:p>
+          <a:p>
+            <a:pPr marL="342900" lvl="0" indent="-342900">
+              <a:lnSpc>
+                <a:spcPct val="115000"/>
+              </a:lnSpc>
+              <a:spcAft>
+                <a:spcPts val="0"/>
+              </a:spcAft>
+              <a:buFont typeface="+mj-lt"/>
+              <a:buAutoNum type="alphaUcPeriod"/>
+            </a:pPr>
+            <a:r>
+              <a:rPr lang="da-DK" dirty="0">
+                <a:latin typeface="Calibri" panose="020F0502020204030204" pitchFamily="34" charset="0"/>
+                <a:ea typeface="Calibri" panose="020F0502020204030204" pitchFamily="34" charset="0"/>
+                <a:cs typeface="Times New Roman" panose="02020603050405020304" pitchFamily="18" charset="0"/>
+              </a:rPr>
+              <a:t>Forklar kort de følgende </a:t>
+            </a:r>
+            <a:r>
+              <a:rPr lang="da-DK" dirty="0" smtClean="0">
+                <a:latin typeface="Calibri" panose="020F0502020204030204" pitchFamily="34" charset="0"/>
+                <a:ea typeface="Calibri" panose="020F0502020204030204" pitchFamily="34" charset="0"/>
+                <a:cs typeface="Times New Roman" panose="02020603050405020304" pitchFamily="18" charset="0"/>
+              </a:rPr>
+              <a:t>koncepter</a:t>
+            </a:r>
+            <a:endParaRPr lang="da-DK" sz="1400" dirty="0" smtClean="0">
+              <a:latin typeface="Calibri" panose="020F0502020204030204" pitchFamily="34" charset="0"/>
+              <a:ea typeface="Calibri" panose="020F0502020204030204" pitchFamily="34" charset="0"/>
+              <a:cs typeface="Times New Roman" panose="02020603050405020304" pitchFamily="18" charset="0"/>
+            </a:endParaRPr>
+          </a:p>
+          <a:p>
+            <a:pPr marL="742950" lvl="1" indent="-285750">
+              <a:lnSpc>
+                <a:spcPct val="115000"/>
+              </a:lnSpc>
+              <a:spcAft>
+                <a:spcPts val="0"/>
+              </a:spcAft>
+              <a:buFont typeface="+mj-lt"/>
+              <a:buAutoNum type="alphaLcPeriod"/>
+            </a:pPr>
+            <a:r>
+              <a:rPr lang="da-DK" dirty="0" smtClean="0">
+                <a:latin typeface="Calibri" panose="020F0502020204030204" pitchFamily="34" charset="0"/>
+                <a:ea typeface="Calibri" panose="020F0502020204030204" pitchFamily="34" charset="0"/>
+                <a:cs typeface="Times New Roman" panose="02020603050405020304" pitchFamily="18" charset="0"/>
+              </a:rPr>
+              <a:t>Vandfaldsmodel</a:t>
+            </a:r>
+            <a:endParaRPr lang="da-DK" sz="1400" dirty="0" smtClean="0">
+              <a:latin typeface="Calibri" panose="020F0502020204030204" pitchFamily="34" charset="0"/>
+              <a:ea typeface="Calibri" panose="020F0502020204030204" pitchFamily="34" charset="0"/>
+              <a:cs typeface="Times New Roman" panose="02020603050405020304" pitchFamily="18" charset="0"/>
+            </a:endParaRPr>
+          </a:p>
+          <a:p>
+            <a:pPr marL="742950" lvl="1" indent="-285750">
+              <a:lnSpc>
+                <a:spcPct val="115000"/>
+              </a:lnSpc>
+              <a:spcAft>
+                <a:spcPts val="0"/>
+              </a:spcAft>
+              <a:buFont typeface="+mj-lt"/>
+              <a:buAutoNum type="alphaLcPeriod"/>
+            </a:pPr>
+            <a:r>
+              <a:rPr lang="da-DK" dirty="0" smtClean="0">
+                <a:latin typeface="Calibri" panose="020F0502020204030204" pitchFamily="34" charset="0"/>
+                <a:ea typeface="Calibri" panose="020F0502020204030204" pitchFamily="34" charset="0"/>
+                <a:cs typeface="Times New Roman" panose="02020603050405020304" pitchFamily="18" charset="0"/>
+              </a:rPr>
+              <a:t>Black </a:t>
+            </a:r>
+            <a:r>
+              <a:rPr lang="da-DK" dirty="0" err="1">
+                <a:latin typeface="Calibri" panose="020F0502020204030204" pitchFamily="34" charset="0"/>
+                <a:ea typeface="Calibri" panose="020F0502020204030204" pitchFamily="34" charset="0"/>
+                <a:cs typeface="Times New Roman" panose="02020603050405020304" pitchFamily="18" charset="0"/>
+              </a:rPr>
+              <a:t>box</a:t>
+            </a:r>
+            <a:r>
+              <a:rPr lang="da-DK" dirty="0">
+                <a:latin typeface="Calibri" panose="020F0502020204030204" pitchFamily="34" charset="0"/>
+                <a:ea typeface="Calibri" panose="020F0502020204030204" pitchFamily="34" charset="0"/>
+                <a:cs typeface="Times New Roman" panose="02020603050405020304" pitchFamily="18" charset="0"/>
+              </a:rPr>
+              <a:t> </a:t>
+            </a:r>
+            <a:r>
+              <a:rPr lang="da-DK" dirty="0" err="1">
+                <a:latin typeface="Calibri" panose="020F0502020204030204" pitchFamily="34" charset="0"/>
+                <a:ea typeface="Calibri" panose="020F0502020204030204" pitchFamily="34" charset="0"/>
+                <a:cs typeface="Times New Roman" panose="02020603050405020304" pitchFamily="18" charset="0"/>
+              </a:rPr>
+              <a:t>testing</a:t>
+            </a:r>
+            <a:endParaRPr lang="da-DK" sz="1400" dirty="0">
+              <a:latin typeface="Calibri" panose="020F0502020204030204" pitchFamily="34" charset="0"/>
+              <a:ea typeface="Calibri" panose="020F0502020204030204" pitchFamily="34" charset="0"/>
+              <a:cs typeface="Times New Roman" panose="02020603050405020304" pitchFamily="18" charset="0"/>
+            </a:endParaRPr>
+          </a:p>
+          <a:p>
+            <a:pPr marL="742950" lvl="1" indent="-285750">
+              <a:lnSpc>
+                <a:spcPct val="115000"/>
+              </a:lnSpc>
+              <a:spcAft>
+                <a:spcPts val="0"/>
+              </a:spcAft>
+              <a:buFont typeface="+mj-lt"/>
+              <a:buAutoNum type="alphaLcPeriod"/>
+            </a:pPr>
+            <a:r>
+              <a:rPr lang="da-DK" dirty="0" err="1">
+                <a:latin typeface="Calibri" panose="020F0502020204030204" pitchFamily="34" charset="0"/>
+                <a:ea typeface="Calibri" panose="020F0502020204030204" pitchFamily="34" charset="0"/>
+                <a:cs typeface="Times New Roman" panose="02020603050405020304" pitchFamily="18" charset="0"/>
+              </a:rPr>
+              <a:t>Inductive</a:t>
+            </a:r>
+            <a:r>
+              <a:rPr lang="da-DK" dirty="0">
+                <a:latin typeface="Calibri" panose="020F0502020204030204" pitchFamily="34" charset="0"/>
+                <a:ea typeface="Calibri" panose="020F0502020204030204" pitchFamily="34" charset="0"/>
+                <a:cs typeface="Times New Roman" panose="02020603050405020304" pitchFamily="18" charset="0"/>
+              </a:rPr>
+              <a:t> reasoning</a:t>
+            </a:r>
+            <a:endParaRPr lang="da-DK" sz="1400" dirty="0">
+              <a:latin typeface="Calibri" panose="020F0502020204030204" pitchFamily="34" charset="0"/>
+              <a:ea typeface="Calibri" panose="020F0502020204030204" pitchFamily="34" charset="0"/>
+              <a:cs typeface="Times New Roman" panose="02020603050405020304" pitchFamily="18" charset="0"/>
+            </a:endParaRPr>
+          </a:p>
+          <a:p>
+            <a:pPr marL="742950" lvl="1" indent="-285750">
+              <a:lnSpc>
+                <a:spcPct val="115000"/>
+              </a:lnSpc>
+              <a:spcAft>
+                <a:spcPts val="1000"/>
+              </a:spcAft>
+              <a:buFont typeface="+mj-lt"/>
+              <a:buAutoNum type="alphaLcPeriod"/>
+            </a:pPr>
+            <a:r>
+              <a:rPr lang="da-DK" dirty="0" err="1">
+                <a:latin typeface="Calibri" panose="020F0502020204030204" pitchFamily="34" charset="0"/>
+                <a:ea typeface="Calibri" panose="020F0502020204030204" pitchFamily="34" charset="0"/>
+                <a:cs typeface="Times New Roman" panose="02020603050405020304" pitchFamily="18" charset="0"/>
+              </a:rPr>
+              <a:t>Exploratory</a:t>
+            </a:r>
+            <a:r>
+              <a:rPr lang="da-DK" dirty="0">
+                <a:latin typeface="Calibri" panose="020F0502020204030204" pitchFamily="34" charset="0"/>
+                <a:ea typeface="Calibri" panose="020F0502020204030204" pitchFamily="34" charset="0"/>
+                <a:cs typeface="Times New Roman" panose="02020603050405020304" pitchFamily="18" charset="0"/>
+              </a:rPr>
+              <a:t> </a:t>
+            </a:r>
+            <a:r>
+              <a:rPr lang="da-DK" dirty="0" err="1">
+                <a:latin typeface="Calibri" panose="020F0502020204030204" pitchFamily="34" charset="0"/>
+                <a:ea typeface="Calibri" panose="020F0502020204030204" pitchFamily="34" charset="0"/>
+                <a:cs typeface="Times New Roman" panose="02020603050405020304" pitchFamily="18" charset="0"/>
+              </a:rPr>
+              <a:t>Prototyping</a:t>
+            </a:r>
+            <a:endParaRPr lang="da-DK" sz="1400" dirty="0">
+              <a:effectLst/>
+              <a:latin typeface="Calibri" panose="020F0502020204030204" pitchFamily="34" charset="0"/>
+              <a:ea typeface="Calibri" panose="020F0502020204030204" pitchFamily="34" charset="0"/>
+              <a:cs typeface="Times New Roman" panose="02020603050405020304" pitchFamily="18" charset="0"/>
+            </a:endParaRPr>
+          </a:p>
+        </p:txBody>
+      </p:sp>
+    </p:spTree>
+    <p:extLst>
+      <p:ext uri="{BB962C8B-B14F-4D97-AF65-F5344CB8AC3E}">
+        <p14:creationId xmlns:p14="http://schemas.microsoft.com/office/powerpoint/2010/main" val="1079420091"/>
+      </p:ext>
+    </p:extLst>
+  </p:cSld>
+  <p:clrMapOvr>
+    <a:masterClrMapping/>
+  </p:clrMapOvr>
+</p:sld>
+</file>
+
+<file path=ppt/slides/slide20.xml><?xml version="1.0" encoding="utf-8"?>
 <p:sld xmlns:a="http://schemas.openxmlformats.org/drawingml/2006/main" xmlns:r="http://schemas.openxmlformats.org/officeDocument/2006/relationships" xmlns:p="http://schemas.openxmlformats.org/presentationml/2006/main">
   <p:cSld>
     <p:spTree>
@@ -9105,181 +9746,7 @@
 </p:sld>
 </file>
 
-<file path=ppt/slides/slide2.xml><?xml version="1.0" encoding="utf-8"?>
-<p:sld xmlns:a="http://schemas.openxmlformats.org/drawingml/2006/main" xmlns:r="http://schemas.openxmlformats.org/officeDocument/2006/relationships" xmlns:p="http://schemas.openxmlformats.org/presentationml/2006/main">
-  <p:cSld>
-    <p:spTree>
-      <p:nvGrpSpPr>
-        <p:cNvPr id="1" name=""/>
-        <p:cNvGrpSpPr/>
-        <p:nvPr/>
-      </p:nvGrpSpPr>
-      <p:grpSpPr>
-        <a:xfrm>
-          <a:off x="0" y="0"/>
-          <a:ext cx="0" cy="0"/>
-          <a:chOff x="0" y="0"/>
-          <a:chExt cx="0" cy="0"/>
-        </a:xfrm>
-      </p:grpSpPr>
-      <p:sp>
-        <p:nvSpPr>
-          <p:cNvPr id="13315" name="Rectangle 3"/>
-          <p:cNvSpPr>
-            <a:spLocks noGrp="1" noChangeArrowheads="1"/>
-          </p:cNvSpPr>
-          <p:nvPr>
-            <p:ph type="body" sz="quarter" idx="10"/>
-          </p:nvPr>
-        </p:nvSpPr>
-        <p:spPr/>
-        <p:txBody>
-          <a:bodyPr/>
-          <a:lstStyle/>
-          <a:p>
-            <a:pPr>
-              <a:lnSpc>
-                <a:spcPct val="90000"/>
-              </a:lnSpc>
-              <a:defRPr/>
-            </a:pPr>
-            <a:r>
-              <a:rPr lang="en-GB" altLang="en-US" dirty="0"/>
-              <a:t>Agenda</a:t>
-            </a:r>
-          </a:p>
-        </p:txBody>
-      </p:sp>
-      <p:sp>
-        <p:nvSpPr>
-          <p:cNvPr id="2" name="Pladsholder til indhold 1"/>
-          <p:cNvSpPr>
-            <a:spLocks noGrp="1"/>
-          </p:cNvSpPr>
-          <p:nvPr>
-            <p:ph sz="quarter" idx="12"/>
-          </p:nvPr>
-        </p:nvSpPr>
-        <p:spPr>
-          <a:xfrm>
-            <a:off x="510346" y="2116874"/>
-            <a:ext cx="8382133" cy="4408470"/>
-          </a:xfrm>
-        </p:spPr>
-        <p:txBody>
-          <a:bodyPr>
-            <a:normAutofit/>
-          </a:bodyPr>
-          <a:lstStyle/>
-          <a:p>
-            <a:pPr marL="457184" lvl="1" indent="0">
-              <a:spcBef>
-                <a:spcPts val="0"/>
-              </a:spcBef>
-              <a:spcAft>
-                <a:spcPts val="1200"/>
-              </a:spcAft>
-              <a:buNone/>
-              <a:defRPr/>
-            </a:pPr>
-            <a:endParaRPr lang="en-GB" altLang="en-US" sz="2000" dirty="0"/>
-          </a:p>
-          <a:p>
-            <a:pPr marL="57148" indent="0">
-              <a:spcBef>
-                <a:spcPts val="0"/>
-              </a:spcBef>
-              <a:spcAft>
-                <a:spcPts val="1200"/>
-              </a:spcAft>
-              <a:buNone/>
-              <a:defRPr/>
-            </a:pPr>
-            <a:r>
-              <a:rPr lang="en-GB" altLang="en-US" sz="2000" b="1" dirty="0"/>
-              <a:t>Goal</a:t>
-            </a:r>
-          </a:p>
-          <a:p>
-            <a:pPr>
-              <a:lnSpc>
-                <a:spcPct val="120000"/>
-              </a:lnSpc>
-              <a:spcBef>
-                <a:spcPts val="0"/>
-              </a:spcBef>
-              <a:spcAft>
-                <a:spcPts val="1200"/>
-              </a:spcAft>
-              <a:defRPr/>
-            </a:pPr>
-            <a:r>
-              <a:rPr lang="en-GB" altLang="en-US" sz="2000" dirty="0"/>
-              <a:t>Be able to compare and discus different systems development processes</a:t>
-            </a:r>
-          </a:p>
-          <a:p>
-            <a:pPr>
-              <a:lnSpc>
-                <a:spcPct val="120000"/>
-              </a:lnSpc>
-              <a:spcBef>
-                <a:spcPts val="0"/>
-              </a:spcBef>
-              <a:spcAft>
-                <a:spcPts val="1200"/>
-              </a:spcAft>
-              <a:defRPr/>
-            </a:pPr>
-            <a:r>
-              <a:rPr lang="en-GB" altLang="en-US" sz="2000" dirty="0"/>
-              <a:t>Be able to classify Scrum and XP</a:t>
-            </a:r>
-          </a:p>
-          <a:p>
-            <a:pPr>
-              <a:lnSpc>
-                <a:spcPct val="90000"/>
-              </a:lnSpc>
-              <a:defRPr/>
-            </a:pPr>
-            <a:endParaRPr lang="en-GB" altLang="en-US" sz="2000" dirty="0"/>
-          </a:p>
-          <a:p>
-            <a:pPr lvl="1">
-              <a:lnSpc>
-                <a:spcPct val="90000"/>
-              </a:lnSpc>
-              <a:defRPr/>
-            </a:pPr>
-            <a:endParaRPr lang="en-GB" altLang="en-US" sz="2000" dirty="0"/>
-          </a:p>
-          <a:p>
-            <a:endParaRPr lang="da-DK" dirty="0"/>
-          </a:p>
-        </p:txBody>
-      </p:sp>
-    </p:spTree>
-    <p:extLst>
-      <p:ext uri="{BB962C8B-B14F-4D97-AF65-F5344CB8AC3E}">
-        <p14:creationId xmlns:p14="http://schemas.microsoft.com/office/powerpoint/2010/main" val="950047009"/>
-      </p:ext>
-    </p:extLst>
-  </p:cSld>
-  <p:clrMapOvr>
-    <a:masterClrMapping/>
-  </p:clrMapOvr>
-  <p:timing>
-    <p:tnLst>
-      <p:par>
-        <p:cTn id="1" dur="indefinite" restart="never" nodeType="tmRoot"/>
-      </p:par>
-    </p:tnLst>
-  </p:timing>
-</p:sld>
-</file>
-
-<file path=ppt/slides/slide20.xml><?xml version="1.0" encoding="utf-8"?>
+<file path=ppt/slides/slide21.xml><?xml version="1.0" encoding="utf-8"?>
 <p:sld xmlns:a="http://schemas.openxmlformats.org/drawingml/2006/main" xmlns:r="http://schemas.openxmlformats.org/officeDocument/2006/relationships" xmlns:p="http://schemas.openxmlformats.org/presentationml/2006/main">
   <p:cSld>
     <p:spTree>
@@ -9520,7 +9987,7 @@
 </p:sld>
 </file>
 
-<file path=ppt/slides/slide21.xml><?xml version="1.0" encoding="utf-8"?>
+<file path=ppt/slides/slide22.xml><?xml version="1.0" encoding="utf-8"?>
 <p:sld xmlns:a="http://schemas.openxmlformats.org/drawingml/2006/main" xmlns:r="http://schemas.openxmlformats.org/officeDocument/2006/relationships" xmlns:p="http://schemas.openxmlformats.org/presentationml/2006/main">
   <p:cSld>
     <p:spTree>
@@ -9610,7 +10077,7 @@
 </p:sld>
 </file>
 
-<file path=ppt/slides/slide22.xml><?xml version="1.0" encoding="utf-8"?>
+<file path=ppt/slides/slide23.xml><?xml version="1.0" encoding="utf-8"?>
 <p:sld xmlns:a="http://schemas.openxmlformats.org/drawingml/2006/main" xmlns:r="http://schemas.openxmlformats.org/officeDocument/2006/relationships" xmlns:p="http://schemas.openxmlformats.org/presentationml/2006/main">
   <p:cSld>
     <p:spTree>
@@ -9742,7 +10209,7 @@
 </p:sld>
 </file>
 
-<file path=ppt/slides/slide23.xml><?xml version="1.0" encoding="utf-8"?>
+<file path=ppt/slides/slide24.xml><?xml version="1.0" encoding="utf-8"?>
 <p:sld xmlns:a="http://schemas.openxmlformats.org/drawingml/2006/main" xmlns:r="http://schemas.openxmlformats.org/officeDocument/2006/relationships" xmlns:p="http://schemas.openxmlformats.org/presentationml/2006/main">
   <p:cSld>
     <p:spTree>
@@ -10411,7 +10878,7 @@
 </p:sld>
 </file>
 
-<file path=ppt/slides/slide24.xml><?xml version="1.0" encoding="utf-8"?>
+<file path=ppt/slides/slide25.xml><?xml version="1.0" encoding="utf-8"?>
 <p:sld xmlns:a="http://schemas.openxmlformats.org/drawingml/2006/main" xmlns:r="http://schemas.openxmlformats.org/officeDocument/2006/relationships" xmlns:p="http://schemas.openxmlformats.org/presentationml/2006/main">
   <p:cSld>
     <p:spTree>
@@ -10949,7 +11416,7 @@
 </p:sld>
 </file>
 
-<file path=ppt/slides/slide25.xml><?xml version="1.0" encoding="utf-8"?>
+<file path=ppt/slides/slide26.xml><?xml version="1.0" encoding="utf-8"?>
 <p:sld xmlns:a="http://schemas.openxmlformats.org/drawingml/2006/main" xmlns:r="http://schemas.openxmlformats.org/officeDocument/2006/relationships" xmlns:p="http://schemas.openxmlformats.org/presentationml/2006/main">
   <p:cSld>
     <p:spTree>
@@ -17081,7 +17548,7 @@
 </p:sld>
 </file>
 
-<file path=ppt/slides/slide26.xml><?xml version="1.0" encoding="utf-8"?>
+<file path=ppt/slides/slide3.xml><?xml version="1.0" encoding="utf-8"?>
 <p:sld xmlns:a="http://schemas.openxmlformats.org/drawingml/2006/main" xmlns:r="http://schemas.openxmlformats.org/officeDocument/2006/relationships" xmlns:p="http://schemas.openxmlformats.org/presentationml/2006/main">
   <p:cSld>
     <p:spTree>
@@ -17100,9 +17567,9 @@
       </p:grpSpPr>
       <p:sp>
         <p:nvSpPr>
-          <p:cNvPr id="6" name="Pladsholder til tekst 5"/>
+          <p:cNvPr id="13315" name="Rectangle 3"/>
           <p:cNvSpPr>
-            <a:spLocks noGrp="1"/>
+            <a:spLocks noGrp="1" noChangeArrowheads="1"/>
           </p:cNvSpPr>
           <p:nvPr>
             <p:ph type="body" sz="quarter" idx="10"/>
@@ -17113,40 +17580,22 @@
           <a:bodyPr/>
           <a:lstStyle/>
           <a:p>
+            <a:pPr>
+              <a:lnSpc>
+                <a:spcPct val="90000"/>
+              </a:lnSpc>
+              <a:defRPr/>
+            </a:pPr>
             <a:r>
               <a:rPr lang="en-GB" altLang="en-US" dirty="0"/>
-              <a:t>Systems development</a:t>
-            </a:r>
-            <a:br>
-              <a:rPr lang="en-GB" altLang="en-US" dirty="0"/>
-            </a:br>
-            <a:r>
-              <a:rPr lang="en-GB" altLang="en-US" sz="3600" b="0" dirty="0">
-                <a:solidFill>
-                  <a:schemeClr val="tx1"/>
-                </a:solidFill>
-              </a:rPr>
-              <a:t>- </a:t>
-            </a:r>
-            <a:r>
-              <a:rPr lang="en-GB" altLang="en-US" sz="2400" b="0" dirty="0">
-                <a:solidFill>
-                  <a:schemeClr val="tx1"/>
-                </a:solidFill>
-              </a:rPr>
-              <a:t>General</a:t>
-            </a:r>
-            <a:endParaRPr lang="da-DK" b="0" dirty="0">
-              <a:solidFill>
-                <a:schemeClr val="tx1"/>
-              </a:solidFill>
-            </a:endParaRPr>
+              <a:t>Agenda</a:t>
+            </a:r>
           </a:p>
         </p:txBody>
       </p:sp>
       <p:sp>
         <p:nvSpPr>
-          <p:cNvPr id="7" name="Pladsholder til indhold 6"/>
+          <p:cNvPr id="2" name="Pladsholder til indhold 1"/>
           <p:cNvSpPr>
             <a:spLocks noGrp="1"/>
           </p:cNvSpPr>
@@ -17156,8 +17605,8 @@
         </p:nvSpPr>
         <p:spPr>
           <a:xfrm>
-            <a:off x="510347" y="2116874"/>
-            <a:ext cx="8086620" cy="4336462"/>
+            <a:off x="510346" y="2116874"/>
+            <a:ext cx="8382133" cy="4408470"/>
           </a:xfrm>
         </p:spPr>
         <p:txBody>
@@ -17166,186 +17615,97 @@
           </a:bodyPr>
           <a:lstStyle/>
           <a:p>
+            <a:pPr marL="457184" lvl="1" indent="0">
+              <a:spcBef>
+                <a:spcPts val="0"/>
+              </a:spcBef>
+              <a:spcAft>
+                <a:spcPts val="1200"/>
+              </a:spcAft>
+              <a:buNone/>
+              <a:defRPr/>
+            </a:pPr>
+            <a:endParaRPr lang="en-GB" altLang="en-US" sz="2000" dirty="0"/>
+          </a:p>
+          <a:p>
+            <a:pPr marL="57148" indent="0">
+              <a:spcBef>
+                <a:spcPts val="0"/>
+              </a:spcBef>
+              <a:spcAft>
+                <a:spcPts val="1200"/>
+              </a:spcAft>
+              <a:buNone/>
+              <a:defRPr/>
+            </a:pPr>
+            <a:r>
+              <a:rPr lang="en-GB" altLang="en-US" sz="2000" b="1" dirty="0"/>
+              <a:t>Goal</a:t>
+            </a:r>
+          </a:p>
+          <a:p>
+            <a:pPr>
+              <a:lnSpc>
+                <a:spcPct val="120000"/>
+              </a:lnSpc>
+              <a:spcBef>
+                <a:spcPts val="0"/>
+              </a:spcBef>
+              <a:spcAft>
+                <a:spcPts val="1200"/>
+              </a:spcAft>
+              <a:defRPr/>
+            </a:pPr>
+            <a:r>
+              <a:rPr lang="en-GB" altLang="en-US" sz="2000" dirty="0"/>
+              <a:t>Be able to compare and discus different systems development processes</a:t>
+            </a:r>
+          </a:p>
+          <a:p>
+            <a:pPr>
+              <a:lnSpc>
+                <a:spcPct val="120000"/>
+              </a:lnSpc>
+              <a:spcBef>
+                <a:spcPts val="0"/>
+              </a:spcBef>
+              <a:spcAft>
+                <a:spcPts val="1200"/>
+              </a:spcAft>
+              <a:defRPr/>
+            </a:pPr>
+            <a:r>
+              <a:rPr lang="en-GB" altLang="en-US" sz="2000" dirty="0"/>
+              <a:t>Be able to classify Scrum and XP</a:t>
+            </a:r>
+          </a:p>
+          <a:p>
             <a:pPr>
               <a:lnSpc>
                 <a:spcPct val="90000"/>
               </a:lnSpc>
-              <a:buFontTx/>
-              <a:buNone/>
+              <a:defRPr/>
             </a:pPr>
-            <a:r>
-              <a:rPr lang="en-GB" altLang="en-US" sz="2000" b="1" dirty="0"/>
-              <a:t>Decision-making</a:t>
-            </a:r>
+            <a:endParaRPr lang="en-GB" altLang="en-US" sz="2000" dirty="0"/>
           </a:p>
           <a:p>
             <a:pPr lvl="1">
               <a:lnSpc>
                 <a:spcPct val="90000"/>
               </a:lnSpc>
+              <a:defRPr/>
             </a:pPr>
-            <a:r>
-              <a:rPr lang="en-GB" altLang="en-US" sz="2000" dirty="0"/>
-              <a:t>Can take time</a:t>
-            </a:r>
-          </a:p>
-          <a:p>
-            <a:pPr lvl="1">
-              <a:lnSpc>
-                <a:spcPct val="90000"/>
-              </a:lnSpc>
-            </a:pPr>
-            <a:r>
-              <a:rPr lang="en-GB" altLang="en-US" sz="2000" dirty="0"/>
-              <a:t>Can delay the progress</a:t>
-            </a:r>
-          </a:p>
-          <a:p>
-            <a:pPr lvl="1">
-              <a:lnSpc>
-                <a:spcPct val="90000"/>
-              </a:lnSpc>
-            </a:pPr>
-            <a:endParaRPr lang="en-GB" altLang="en-US" sz="800" dirty="0"/>
-          </a:p>
-          <a:p>
-            <a:pPr marL="0" indent="0">
-              <a:lnSpc>
-                <a:spcPct val="90000"/>
-              </a:lnSpc>
-              <a:buNone/>
-            </a:pPr>
-            <a:r>
-              <a:rPr lang="en-GB" altLang="en-US" sz="2000" b="1" dirty="0"/>
-              <a:t>Communication</a:t>
-            </a:r>
-          </a:p>
-          <a:p>
-            <a:pPr lvl="1">
-              <a:lnSpc>
-                <a:spcPct val="90000"/>
-              </a:lnSpc>
-            </a:pPr>
-            <a:r>
-              <a:rPr lang="en-GB" altLang="en-US" sz="2000" dirty="0"/>
-              <a:t>Man –</a:t>
-            </a:r>
-            <a:r>
-              <a:rPr lang="en-GB" altLang="en-US" sz="2000" dirty="0" smtClean="0"/>
-              <a:t> </a:t>
-            </a:r>
-            <a:r>
-              <a:rPr lang="en-GB" altLang="en-US" sz="2000" dirty="0"/>
-              <a:t>man</a:t>
-            </a:r>
-          </a:p>
-          <a:p>
-            <a:pPr lvl="1">
-              <a:lnSpc>
-                <a:spcPct val="90000"/>
-              </a:lnSpc>
-            </a:pPr>
-            <a:r>
-              <a:rPr lang="en-GB" altLang="en-US" sz="2000" dirty="0"/>
-              <a:t>Group –</a:t>
-            </a:r>
-            <a:r>
-              <a:rPr lang="en-GB" altLang="en-US" sz="2000" dirty="0" smtClean="0"/>
-              <a:t> </a:t>
-            </a:r>
-            <a:r>
-              <a:rPr lang="en-GB" altLang="en-US" sz="2000" dirty="0"/>
-              <a:t>group</a:t>
-            </a:r>
-          </a:p>
-          <a:p>
-            <a:pPr lvl="1">
-              <a:lnSpc>
-                <a:spcPct val="90000"/>
-              </a:lnSpc>
-            </a:pPr>
-            <a:r>
-              <a:rPr lang="en-GB" altLang="en-US" sz="2000" dirty="0" smtClean="0"/>
-              <a:t>Man – </a:t>
-            </a:r>
-            <a:r>
-              <a:rPr lang="en-GB" altLang="en-US" sz="2000" dirty="0"/>
-              <a:t>machine</a:t>
-            </a:r>
-          </a:p>
-          <a:p>
-            <a:pPr lvl="1">
-              <a:lnSpc>
-                <a:spcPct val="90000"/>
-              </a:lnSpc>
-            </a:pPr>
-            <a:r>
-              <a:rPr lang="en-GB" altLang="en-US" sz="2000" dirty="0"/>
-              <a:t>Content, form, location</a:t>
-            </a:r>
-          </a:p>
-          <a:p>
-            <a:pPr lvl="1">
-              <a:lnSpc>
-                <a:spcPct val="90000"/>
-              </a:lnSpc>
-            </a:pPr>
-            <a:endParaRPr lang="en-GB" altLang="en-US" sz="800" dirty="0"/>
-          </a:p>
-          <a:p>
-            <a:pPr marL="457184" lvl="1" indent="0">
-              <a:lnSpc>
-                <a:spcPct val="90000"/>
-              </a:lnSpc>
-              <a:buNone/>
-            </a:pPr>
-            <a:endParaRPr lang="en-GB" altLang="en-US" sz="800" dirty="0"/>
-          </a:p>
-          <a:p>
-            <a:pPr marL="0" indent="0">
-              <a:lnSpc>
-                <a:spcPct val="90000"/>
-              </a:lnSpc>
-              <a:buNone/>
-            </a:pPr>
-            <a:r>
-              <a:rPr lang="en-GB" altLang="en-US" sz="2000" b="1" dirty="0"/>
-              <a:t>Socialising</a:t>
-            </a:r>
-          </a:p>
-          <a:p>
-            <a:pPr lvl="1">
-              <a:lnSpc>
-                <a:spcPct val="90000"/>
-              </a:lnSpc>
-            </a:pPr>
-            <a:r>
-              <a:rPr lang="en-GB" altLang="en-US" sz="2000" dirty="0"/>
-              <a:t>Intern informal contracts</a:t>
-            </a:r>
-          </a:p>
-          <a:p>
-            <a:pPr lvl="1">
-              <a:lnSpc>
-                <a:spcPct val="90000"/>
-              </a:lnSpc>
-            </a:pPr>
-            <a:r>
-              <a:rPr lang="en-GB" altLang="en-US" sz="2000" dirty="0"/>
-              <a:t>Project establishment – more formal </a:t>
-            </a:r>
-            <a:r>
-              <a:rPr lang="en-GB" altLang="en-US" sz="2000" dirty="0" smtClean="0"/>
-              <a:t>contracts</a:t>
-            </a:r>
             <a:endParaRPr lang="en-GB" altLang="en-US" sz="2000" dirty="0"/>
+          </a:p>
+          <a:p>
+            <a:endParaRPr lang="da-DK" dirty="0"/>
           </a:p>
         </p:txBody>
       </p:sp>
     </p:spTree>
     <p:extLst>
       <p:ext uri="{BB962C8B-B14F-4D97-AF65-F5344CB8AC3E}">
-        <p14:creationId xmlns:p14="http://schemas.microsoft.com/office/powerpoint/2010/main" val="67249595"/>
+        <p14:creationId xmlns:p14="http://schemas.microsoft.com/office/powerpoint/2010/main" val="950047009"/>
       </p:ext>
     </p:extLst>
   </p:cSld>
@@ -17362,7 +17722,7 @@
 </p:sld>
 </file>
 
-<file path=ppt/slides/slide3.xml><?xml version="1.0" encoding="utf-8"?>
+<file path=ppt/slides/slide4.xml><?xml version="1.0" encoding="utf-8"?>
 <p:sld xmlns:a="http://schemas.openxmlformats.org/drawingml/2006/main" xmlns:r="http://schemas.openxmlformats.org/officeDocument/2006/relationships" xmlns:p="http://schemas.openxmlformats.org/presentationml/2006/main">
   <p:cSld>
     <p:spTree>
@@ -17414,8 +17774,8 @@
         </p:nvSpPr>
         <p:spPr>
           <a:xfrm>
-            <a:off x="496258" y="3933056"/>
-            <a:ext cx="8086620" cy="1968591"/>
+            <a:off x="251519" y="3933057"/>
+            <a:ext cx="8738493" cy="1728192"/>
           </a:xfrm>
         </p:spPr>
         <p:txBody>
@@ -17453,23 +17813,13 @@
             </a:r>
             <a:r>
               <a:rPr lang="en-GB" altLang="en-US" dirty="0"/>
-              <a:t> producing the product</a:t>
-            </a:r>
-          </a:p>
-          <a:p>
-            <a:pPr>
-              <a:buNone/>
-            </a:pPr>
+              <a:t> producing the </a:t>
+            </a:r>
+            <a:r>
+              <a:rPr lang="en-GB" altLang="en-US" dirty="0" smtClean="0"/>
+              <a:t>product</a:t>
+            </a:r>
             <a:endParaRPr lang="en-GB" altLang="en-US" dirty="0"/>
-          </a:p>
-          <a:p>
-            <a:pPr>
-              <a:buNone/>
-            </a:pPr>
-            <a:endParaRPr lang="en-GB" altLang="en-US" dirty="0"/>
-          </a:p>
-          <a:p>
-            <a:endParaRPr lang="da-DK" dirty="0"/>
           </a:p>
         </p:txBody>
       </p:sp>
@@ -17488,8 +17838,8 @@
           </a:xfrm>
           <a:prstGeom prst="cloudCallout">
             <a:avLst>
-              <a:gd name="adj1" fmla="val 10778"/>
-              <a:gd name="adj2" fmla="val 63852"/>
+              <a:gd name="adj1" fmla="val 11321"/>
+              <a:gd name="adj2" fmla="val 93571"/>
             </a:avLst>
           </a:prstGeom>
           <a:noFill/>
@@ -17627,60 +17977,6 @@
           </a:p>
         </p:txBody>
       </p:sp>
-      <p:pic>
-        <p:nvPicPr>
-          <p:cNvPr id="7173" name="Picture 5" descr="j0285750"/>
-          <p:cNvPicPr>
-            <a:picLocks noChangeAspect="1" noChangeArrowheads="1"/>
-          </p:cNvPicPr>
-          <p:nvPr/>
-        </p:nvPicPr>
-        <p:blipFill>
-          <a:blip r:embed="rId3" cstate="print">
-            <a:extLst>
-              <a:ext uri="{28A0092B-C50C-407E-A947-70E740481C1C}">
-                <a14:useLocalDpi xmlns:a14="http://schemas.microsoft.com/office/drawing/2010/main" val="0"/>
-              </a:ext>
-            </a:extLst>
-          </a:blip>
-          <a:srcRect/>
-          <a:stretch>
-            <a:fillRect/>
-          </a:stretch>
-        </p:blipFill>
-        <p:spPr bwMode="auto">
-          <a:xfrm>
-            <a:off x="6557963" y="1954213"/>
-            <a:ext cx="2432050" cy="1187450"/>
-          </a:xfrm>
-          <a:prstGeom prst="rect">
-            <a:avLst/>
-          </a:prstGeom>
-          <a:noFill/>
-          <a:ln>
-            <a:noFill/>
-          </a:ln>
-          <a:extLst>
-            <a:ext uri="{909E8E84-426E-40DD-AFC4-6F175D3DCCD1}">
-              <a14:hiddenFill xmlns:a14="http://schemas.microsoft.com/office/drawing/2010/main">
-                <a:solidFill>
-                  <a:srgbClr val="FFFFFF"/>
-                </a:solidFill>
-              </a14:hiddenFill>
-            </a:ext>
-            <a:ext uri="{91240B29-F687-4F45-9708-019B960494DF}">
-              <a14:hiddenLine xmlns:a14="http://schemas.microsoft.com/office/drawing/2010/main" w="9525">
-                <a:solidFill>
-                  <a:srgbClr val="000000"/>
-                </a:solidFill>
-                <a:miter lim="800000"/>
-                <a:headEnd/>
-                <a:tailEnd/>
-              </a14:hiddenLine>
-            </a:ext>
-          </a:extLst>
-        </p:spPr>
-      </p:pic>
       <p:sp>
         <p:nvSpPr>
           <p:cNvPr id="2" name="Pentagon 1"/>
@@ -17689,7 +17985,7 @@
         </p:nvSpPr>
         <p:spPr>
           <a:xfrm>
-            <a:off x="3203848" y="1908117"/>
+            <a:off x="3275200" y="1927078"/>
             <a:ext cx="3156422" cy="1207170"/>
           </a:xfrm>
           <a:prstGeom prst="homePlate">
@@ -17903,6 +18199,47 @@
           </a:p>
         </p:txBody>
       </p:sp>
+      <p:pic>
+        <p:nvPicPr>
+          <p:cNvPr id="1026" name="Picture 2" descr="Billedresultat for laptop"/>
+          <p:cNvPicPr>
+            <a:picLocks noChangeAspect="1" noChangeArrowheads="1"/>
+          </p:cNvPicPr>
+          <p:nvPr/>
+        </p:nvPicPr>
+        <p:blipFill>
+          <a:blip r:embed="rId3">
+            <a:extLst>
+              <a:ext uri="{28A0092B-C50C-407E-A947-70E740481C1C}">
+                <a14:useLocalDpi xmlns:a14="http://schemas.microsoft.com/office/drawing/2010/main" val="0"/>
+              </a:ext>
+            </a:extLst>
+          </a:blip>
+          <a:srcRect/>
+          <a:stretch>
+            <a:fillRect/>
+          </a:stretch>
+        </p:blipFill>
+        <p:spPr bwMode="auto">
+          <a:xfrm>
+            <a:off x="6456413" y="1813119"/>
+            <a:ext cx="2687586" cy="1553761"/>
+          </a:xfrm>
+          <a:prstGeom prst="rect">
+            <a:avLst/>
+          </a:prstGeom>
+          <a:noFill/>
+          <a:extLst>
+            <a:ext uri="{909E8E84-426E-40DD-AFC4-6F175D3DCCD1}">
+              <a14:hiddenFill xmlns:a14="http://schemas.microsoft.com/office/drawing/2010/main">
+                <a:solidFill>
+                  <a:srgbClr val="FFFFFF"/>
+                </a:solidFill>
+              </a14:hiddenFill>
+            </a:ext>
+          </a:extLst>
+        </p:spPr>
+      </p:pic>
     </p:spTree>
     <p:extLst>
       <p:ext uri="{BB962C8B-B14F-4D97-AF65-F5344CB8AC3E}">
@@ -17923,7 +18260,7 @@
 </p:sld>
 </file>
 
-<file path=ppt/slides/slide4.xml><?xml version="1.0" encoding="utf-8"?>
+<file path=ppt/slides/slide5.xml><?xml version="1.0" encoding="utf-8"?>
 <p:sld xmlns:a="http://schemas.openxmlformats.org/drawingml/2006/main" xmlns:r="http://schemas.openxmlformats.org/officeDocument/2006/relationships" xmlns:p="http://schemas.openxmlformats.org/presentationml/2006/main">
   <p:cSld>
     <p:spTree>
@@ -19264,7 +19601,7 @@
 </p:sld>
 </file>
 
-<file path=ppt/slides/slide5.xml><?xml version="1.0" encoding="utf-8"?>
+<file path=ppt/slides/slide6.xml><?xml version="1.0" encoding="utf-8"?>
 <p:sld xmlns:a="http://schemas.openxmlformats.org/drawingml/2006/main" xmlns:r="http://schemas.openxmlformats.org/officeDocument/2006/relationships" xmlns:p="http://schemas.openxmlformats.org/presentationml/2006/main">
   <p:cSld>
     <p:spTree>
@@ -21517,7 +21854,7 @@
 </p:sld>
 </file>
 
-<file path=ppt/slides/slide6.xml><?xml version="1.0" encoding="utf-8"?>
+<file path=ppt/slides/slide7.xml><?xml version="1.0" encoding="utf-8"?>
 <p:sld xmlns:a="http://schemas.openxmlformats.org/drawingml/2006/main" xmlns:r="http://schemas.openxmlformats.org/officeDocument/2006/relationships" xmlns:p="http://schemas.openxmlformats.org/presentationml/2006/main">
   <p:cSld>
     <p:spTree>
@@ -21972,7 +22309,7 @@
 </p:sld>
 </file>
 
-<file path=ppt/slides/slide7.xml><?xml version="1.0" encoding="utf-8"?>
+<file path=ppt/slides/slide8.xml><?xml version="1.0" encoding="utf-8"?>
 <p:sld xmlns:a="http://schemas.openxmlformats.org/drawingml/2006/main" xmlns:r="http://schemas.openxmlformats.org/officeDocument/2006/relationships" xmlns:p="http://schemas.openxmlformats.org/presentationml/2006/main">
   <p:cSld>
     <p:spTree>
@@ -23846,7 +24183,7 @@
 </p:sld>
 </file>
 
-<file path=ppt/slides/slide8.xml><?xml version="1.0" encoding="utf-8"?>
+<file path=ppt/slides/slide9.xml><?xml version="1.0" encoding="utf-8"?>
 <p:sld xmlns:a="http://schemas.openxmlformats.org/drawingml/2006/main" xmlns:r="http://schemas.openxmlformats.org/officeDocument/2006/relationships" xmlns:p="http://schemas.openxmlformats.org/presentationml/2006/main">
   <p:cSld>
     <p:spTree>
@@ -25170,125 +25507,6 @@
     <p:extLst>
       <p:ext uri="{BB962C8B-B14F-4D97-AF65-F5344CB8AC3E}">
         <p14:creationId xmlns:p14="http://schemas.microsoft.com/office/powerpoint/2010/main" val="3471713353"/>
-      </p:ext>
-    </p:extLst>
-  </p:cSld>
-  <p:clrMapOvr>
-    <a:masterClrMapping/>
-  </p:clrMapOvr>
-  <p:timing>
-    <p:tnLst>
-      <p:par>
-        <p:cTn id="1" dur="indefinite" restart="never" nodeType="tmRoot"/>
-      </p:par>
-    </p:tnLst>
-  </p:timing>
-</p:sld>
-</file>
-
-<file path=ppt/slides/slide9.xml><?xml version="1.0" encoding="utf-8"?>
-<p:sld xmlns:a="http://schemas.openxmlformats.org/drawingml/2006/main" xmlns:r="http://schemas.openxmlformats.org/officeDocument/2006/relationships" xmlns:p="http://schemas.openxmlformats.org/presentationml/2006/main">
-  <p:cSld>
-    <p:spTree>
-      <p:nvGrpSpPr>
-        <p:cNvPr id="1" name=""/>
-        <p:cNvGrpSpPr/>
-        <p:nvPr/>
-      </p:nvGrpSpPr>
-      <p:grpSpPr>
-        <a:xfrm>
-          <a:off x="0" y="0"/>
-          <a:ext cx="0" cy="0"/>
-          <a:chOff x="0" y="0"/>
-          <a:chExt cx="0" cy="0"/>
-        </a:xfrm>
-      </p:grpSpPr>
-      <p:sp>
-        <p:nvSpPr>
-          <p:cNvPr id="4" name="Titel 3"/>
-          <p:cNvSpPr>
-            <a:spLocks noGrp="1"/>
-          </p:cNvSpPr>
-          <p:nvPr>
-            <p:ph type="title"/>
-          </p:nvPr>
-        </p:nvSpPr>
-        <p:spPr>
-          <a:xfrm>
-            <a:off x="251520" y="548680"/>
-            <a:ext cx="8229600" cy="648072"/>
-          </a:xfrm>
-        </p:spPr>
-        <p:txBody>
-          <a:bodyPr/>
-          <a:lstStyle/>
-          <a:p>
-            <a:r>
-              <a:rPr lang="en-GB" b="1" dirty="0" smtClean="0"/>
-              <a:t>Process models (paradigms)</a:t>
-            </a:r>
-            <a:endParaRPr lang="en-GB" b="1" dirty="0"/>
-          </a:p>
-        </p:txBody>
-      </p:sp>
-      <p:pic>
-        <p:nvPicPr>
-          <p:cNvPr id="1026" name="Picture 2"/>
-          <p:cNvPicPr>
-            <a:picLocks noChangeAspect="1" noChangeArrowheads="1"/>
-          </p:cNvPicPr>
-          <p:nvPr/>
-        </p:nvPicPr>
-        <p:blipFill>
-          <a:blip r:embed="rId3">
-            <a:extLst>
-              <a:ext uri="{28A0092B-C50C-407E-A947-70E740481C1C}">
-                <a14:useLocalDpi xmlns:a14="http://schemas.microsoft.com/office/drawing/2010/main" val="0"/>
-              </a:ext>
-            </a:extLst>
-          </a:blip>
-          <a:srcRect/>
-          <a:stretch>
-            <a:fillRect/>
-          </a:stretch>
-        </p:blipFill>
-        <p:spPr bwMode="auto">
-          <a:xfrm>
-            <a:off x="0" y="1318506"/>
-            <a:ext cx="9144338" cy="5566878"/>
-          </a:xfrm>
-          <a:prstGeom prst="rect">
-            <a:avLst/>
-          </a:prstGeom>
-          <a:noFill/>
-          <a:ln>
-            <a:noFill/>
-          </a:ln>
-          <a:extLst>
-            <a:ext uri="{909E8E84-426E-40DD-AFC4-6F175D3DCCD1}">
-              <a14:hiddenFill xmlns:a14="http://schemas.microsoft.com/office/drawing/2010/main">
-                <a:solidFill>
-                  <a:schemeClr val="accent1"/>
-                </a:solidFill>
-              </a14:hiddenFill>
-            </a:ext>
-            <a:ext uri="{91240B29-F687-4F45-9708-019B960494DF}">
-              <a14:hiddenLine xmlns:a14="http://schemas.microsoft.com/office/drawing/2010/main" w="9525">
-                <a:solidFill>
-                  <a:schemeClr val="tx1"/>
-                </a:solidFill>
-                <a:miter lim="800000"/>
-                <a:headEnd/>
-                <a:tailEnd/>
-              </a14:hiddenLine>
-            </a:ext>
-          </a:extLst>
-        </p:spPr>
-      </p:pic>
-    </p:spTree>
-    <p:extLst>
-      <p:ext uri="{BB962C8B-B14F-4D97-AF65-F5344CB8AC3E}">
-        <p14:creationId xmlns:p14="http://schemas.microsoft.com/office/powerpoint/2010/main" val="144591201"/>
       </p:ext>
     </p:extLst>
   </p:cSld>
